--- a/MGMT/REPORT/PPT/WORK IN PROGRESS/3 RAM Project Presentation - Iter2.pptx
+++ b/MGMT/REPORT/PPT/WORK IN PROGRESS/3 RAM Project Presentation - Iter2.pptx
@@ -222,7 +222,7 @@
       </p14:sectionLst>
     </p:ext>
     <p:ext uri="{EFAFB233-063F-42B5-8137-9DF3F51BA10A}">
-      <p15:sldGuideLst xmlns:p15="http://schemas.microsoft.com/office/powerpoint/2012/main" xmlns="">
+      <p15:sldGuideLst xmlns="" xmlns:p15="http://schemas.microsoft.com/office/powerpoint/2012/main">
         <p15:guide id="1" orient="horz" pos="2160">
           <p15:clr>
             <a:srgbClr val="A4A3A4"/>
@@ -9861,14 +9861,14 @@
                 <a:gridCol w="3429000">
                   <a:extLst>
                     <a:ext uri="{9D8B030D-6E8A-4147-A177-3AD203B41FA5}">
-                      <a16:colId xmlns:a16="http://schemas.microsoft.com/office/drawing/2014/main" xmlns="" val="20000"/>
+                      <a16:colId xmlns="" xmlns:a16="http://schemas.microsoft.com/office/drawing/2014/main" val="20000"/>
                     </a:ext>
                   </a:extLst>
                 </a:gridCol>
                 <a:gridCol w="4572000">
                   <a:extLst>
                     <a:ext uri="{9D8B030D-6E8A-4147-A177-3AD203B41FA5}">
-                      <a16:colId xmlns:a16="http://schemas.microsoft.com/office/drawing/2014/main" xmlns="" val="20001"/>
+                      <a16:colId xmlns="" xmlns:a16="http://schemas.microsoft.com/office/drawing/2014/main" val="20001"/>
                     </a:ext>
                   </a:extLst>
                 </a:gridCol>
@@ -10008,7 +10008,7 @@
                 </a:tc>
                 <a:extLst>
                   <a:ext uri="{0D108BD9-81ED-4DB2-BD59-A6C34878D82A}">
-                    <a16:rowId xmlns:a16="http://schemas.microsoft.com/office/drawing/2014/main" xmlns="" val="10000"/>
+                    <a16:rowId xmlns="" xmlns:a16="http://schemas.microsoft.com/office/drawing/2014/main" val="10000"/>
                   </a:ext>
                 </a:extLst>
               </a:tr>
@@ -10292,7 +10292,7 @@
                 </a:tc>
                 <a:extLst>
                   <a:ext uri="{0D108BD9-81ED-4DB2-BD59-A6C34878D82A}">
-                    <a16:rowId xmlns:a16="http://schemas.microsoft.com/office/drawing/2014/main" xmlns="" val="10001"/>
+                    <a16:rowId xmlns="" xmlns:a16="http://schemas.microsoft.com/office/drawing/2014/main" val="10001"/>
                   </a:ext>
                 </a:extLst>
               </a:tr>
@@ -10563,7 +10563,7 @@
                 </a:tc>
                 <a:extLst>
                   <a:ext uri="{0D108BD9-81ED-4DB2-BD59-A6C34878D82A}">
-                    <a16:rowId xmlns:a16="http://schemas.microsoft.com/office/drawing/2014/main" xmlns="" val="10002"/>
+                    <a16:rowId xmlns="" xmlns:a16="http://schemas.microsoft.com/office/drawing/2014/main" val="10002"/>
                   </a:ext>
                 </a:extLst>
               </a:tr>
@@ -10845,7 +10845,7 @@
                 </a:tc>
                 <a:extLst>
                   <a:ext uri="{0D108BD9-81ED-4DB2-BD59-A6C34878D82A}">
-                    <a16:rowId xmlns:a16="http://schemas.microsoft.com/office/drawing/2014/main" xmlns="" val="10003"/>
+                    <a16:rowId xmlns="" xmlns:a16="http://schemas.microsoft.com/office/drawing/2014/main" val="10003"/>
                   </a:ext>
                 </a:extLst>
               </a:tr>
@@ -11170,98 +11170,98 @@
                 <a:gridCol w="836012">
                   <a:extLst>
                     <a:ext uri="{9D8B030D-6E8A-4147-A177-3AD203B41FA5}">
-                      <a16:colId xmlns:a16="http://schemas.microsoft.com/office/drawing/2014/main" xmlns="" val="20000"/>
+                      <a16:colId xmlns="" xmlns:a16="http://schemas.microsoft.com/office/drawing/2014/main" val="20000"/>
                     </a:ext>
                   </a:extLst>
                 </a:gridCol>
                 <a:gridCol w="658464">
                   <a:extLst>
                     <a:ext uri="{9D8B030D-6E8A-4147-A177-3AD203B41FA5}">
-                      <a16:colId xmlns:a16="http://schemas.microsoft.com/office/drawing/2014/main" xmlns="" val="20001"/>
+                      <a16:colId xmlns="" xmlns:a16="http://schemas.microsoft.com/office/drawing/2014/main" val="20001"/>
                     </a:ext>
                   </a:extLst>
                 </a:gridCol>
                 <a:gridCol w="658464">
                   <a:extLst>
                     <a:ext uri="{9D8B030D-6E8A-4147-A177-3AD203B41FA5}">
-                      <a16:colId xmlns:a16="http://schemas.microsoft.com/office/drawing/2014/main" xmlns="" val="20002"/>
+                      <a16:colId xmlns="" xmlns:a16="http://schemas.microsoft.com/office/drawing/2014/main" val="20002"/>
                     </a:ext>
                   </a:extLst>
                 </a:gridCol>
                 <a:gridCol w="583210">
                   <a:extLst>
                     <a:ext uri="{9D8B030D-6E8A-4147-A177-3AD203B41FA5}">
-                      <a16:colId xmlns:a16="http://schemas.microsoft.com/office/drawing/2014/main" xmlns="" val="20003"/>
+                      <a16:colId xmlns="" xmlns:a16="http://schemas.microsoft.com/office/drawing/2014/main" val="20003"/>
                     </a:ext>
                   </a:extLst>
                 </a:gridCol>
                 <a:gridCol w="659820">
                   <a:extLst>
                     <a:ext uri="{9D8B030D-6E8A-4147-A177-3AD203B41FA5}">
-                      <a16:colId xmlns:a16="http://schemas.microsoft.com/office/drawing/2014/main" xmlns="" val="20004"/>
+                      <a16:colId xmlns="" xmlns:a16="http://schemas.microsoft.com/office/drawing/2014/main" val="20004"/>
                     </a:ext>
                   </a:extLst>
                 </a:gridCol>
                 <a:gridCol w="522114">
                   <a:extLst>
                     <a:ext uri="{9D8B030D-6E8A-4147-A177-3AD203B41FA5}">
-                      <a16:colId xmlns:a16="http://schemas.microsoft.com/office/drawing/2014/main" xmlns="" val="20005"/>
+                      <a16:colId xmlns="" xmlns:a16="http://schemas.microsoft.com/office/drawing/2014/main" val="20005"/>
                     </a:ext>
                   </a:extLst>
                 </a:gridCol>
                 <a:gridCol w="568576">
                   <a:extLst>
                     <a:ext uri="{9D8B030D-6E8A-4147-A177-3AD203B41FA5}">
-                      <a16:colId xmlns:a16="http://schemas.microsoft.com/office/drawing/2014/main" xmlns="" val="20006"/>
+                      <a16:colId xmlns="" xmlns:a16="http://schemas.microsoft.com/office/drawing/2014/main" val="20006"/>
                     </a:ext>
                   </a:extLst>
                 </a:gridCol>
                 <a:gridCol w="652881">
                   <a:extLst>
                     <a:ext uri="{9D8B030D-6E8A-4147-A177-3AD203B41FA5}">
-                      <a16:colId xmlns:a16="http://schemas.microsoft.com/office/drawing/2014/main" xmlns="" val="20007"/>
+                      <a16:colId xmlns="" xmlns:a16="http://schemas.microsoft.com/office/drawing/2014/main" val="20007"/>
                     </a:ext>
                   </a:extLst>
                 </a:gridCol>
                 <a:gridCol w="712342">
                   <a:extLst>
                     <a:ext uri="{9D8B030D-6E8A-4147-A177-3AD203B41FA5}">
-                      <a16:colId xmlns:a16="http://schemas.microsoft.com/office/drawing/2014/main" xmlns="" val="20008"/>
+                      <a16:colId xmlns="" xmlns:a16="http://schemas.microsoft.com/office/drawing/2014/main" val="20008"/>
                     </a:ext>
                   </a:extLst>
                 </a:gridCol>
                 <a:gridCol w="516117">
                   <a:extLst>
                     <a:ext uri="{9D8B030D-6E8A-4147-A177-3AD203B41FA5}">
-                      <a16:colId xmlns:a16="http://schemas.microsoft.com/office/drawing/2014/main" xmlns="" val="20009"/>
+                      <a16:colId xmlns="" xmlns:a16="http://schemas.microsoft.com/office/drawing/2014/main" val="20009"/>
                     </a:ext>
                   </a:extLst>
                 </a:gridCol>
                 <a:gridCol w="516117">
                   <a:extLst>
                     <a:ext uri="{9D8B030D-6E8A-4147-A177-3AD203B41FA5}">
-                      <a16:colId xmlns:a16="http://schemas.microsoft.com/office/drawing/2014/main" xmlns="" val="20010"/>
+                      <a16:colId xmlns="" xmlns:a16="http://schemas.microsoft.com/office/drawing/2014/main" val="20010"/>
                     </a:ext>
                   </a:extLst>
                 </a:gridCol>
                 <a:gridCol w="516117">
                   <a:extLst>
                     <a:ext uri="{9D8B030D-6E8A-4147-A177-3AD203B41FA5}">
-                      <a16:colId xmlns:a16="http://schemas.microsoft.com/office/drawing/2014/main" xmlns="" val="20011"/>
+                      <a16:colId xmlns="" xmlns:a16="http://schemas.microsoft.com/office/drawing/2014/main" val="20011"/>
                     </a:ext>
                   </a:extLst>
                 </a:gridCol>
                 <a:gridCol w="516117">
                   <a:extLst>
                     <a:ext uri="{9D8B030D-6E8A-4147-A177-3AD203B41FA5}">
-                      <a16:colId xmlns:a16="http://schemas.microsoft.com/office/drawing/2014/main" xmlns="" val="20012"/>
+                      <a16:colId xmlns="" xmlns:a16="http://schemas.microsoft.com/office/drawing/2014/main" val="20012"/>
                     </a:ext>
                   </a:extLst>
                 </a:gridCol>
                 <a:gridCol w="503750">
                   <a:extLst>
                     <a:ext uri="{9D8B030D-6E8A-4147-A177-3AD203B41FA5}">
-                      <a16:colId xmlns:a16="http://schemas.microsoft.com/office/drawing/2014/main" xmlns="" val="20013"/>
+                      <a16:colId xmlns="" xmlns:a16="http://schemas.microsoft.com/office/drawing/2014/main" val="20013"/>
                     </a:ext>
                   </a:extLst>
                 </a:gridCol>
@@ -12561,7 +12561,7 @@
                 </a:tc>
                 <a:extLst>
                   <a:ext uri="{0D108BD9-81ED-4DB2-BD59-A6C34878D82A}">
-                    <a16:rowId xmlns:a16="http://schemas.microsoft.com/office/drawing/2014/main" xmlns="" val="10000"/>
+                    <a16:rowId xmlns="" xmlns:a16="http://schemas.microsoft.com/office/drawing/2014/main" val="10000"/>
                   </a:ext>
                 </a:extLst>
               </a:tr>
@@ -13671,7 +13671,7 @@
                 </a:tc>
                 <a:extLst>
                   <a:ext uri="{0D108BD9-81ED-4DB2-BD59-A6C34878D82A}">
-                    <a16:rowId xmlns:a16="http://schemas.microsoft.com/office/drawing/2014/main" xmlns="" val="10001"/>
+                    <a16:rowId xmlns="" xmlns:a16="http://schemas.microsoft.com/office/drawing/2014/main" val="10001"/>
                   </a:ext>
                 </a:extLst>
               </a:tr>
@@ -14830,7 +14830,7 @@
                 </a:tc>
                 <a:extLst>
                   <a:ext uri="{0D108BD9-81ED-4DB2-BD59-A6C34878D82A}">
-                    <a16:rowId xmlns:a16="http://schemas.microsoft.com/office/drawing/2014/main" xmlns="" val="10002"/>
+                    <a16:rowId xmlns="" xmlns:a16="http://schemas.microsoft.com/office/drawing/2014/main" val="10002"/>
                   </a:ext>
                 </a:extLst>
               </a:tr>
@@ -16015,7 +16015,7 @@
                 </a:tc>
                 <a:extLst>
                   <a:ext uri="{0D108BD9-81ED-4DB2-BD59-A6C34878D82A}">
-                    <a16:rowId xmlns:a16="http://schemas.microsoft.com/office/drawing/2014/main" xmlns="" val="10003"/>
+                    <a16:rowId xmlns="" xmlns:a16="http://schemas.microsoft.com/office/drawing/2014/main" val="10003"/>
                   </a:ext>
                 </a:extLst>
               </a:tr>
@@ -17703,7 +17703,7 @@
           <p:cNvPr id="4" name="Picture 3">
             <a:extLst>
               <a:ext uri="{FF2B5EF4-FFF2-40B4-BE49-F238E27FC236}">
-                <a16:creationId xmlns:a16="http://schemas.microsoft.com/office/drawing/2014/main" xmlns="" id="{80DDD273-BB4F-4567-9A92-50656E421E3E}"/>
+                <a16:creationId xmlns="" xmlns:a16="http://schemas.microsoft.com/office/drawing/2014/main" id="{80DDD273-BB4F-4567-9A92-50656E421E3E}"/>
               </a:ext>
             </a:extLst>
           </p:cNvPr>
@@ -18110,7 +18110,7 @@
           <p:cNvPr id="12" name="Picture 11">
             <a:extLst>
               <a:ext uri="{FF2B5EF4-FFF2-40B4-BE49-F238E27FC236}">
-                <a16:creationId xmlns:a16="http://schemas.microsoft.com/office/drawing/2014/main" xmlns="" id="{E7BA807A-7794-4A66-8E13-0D400AA93672}"/>
+                <a16:creationId xmlns="" xmlns:a16="http://schemas.microsoft.com/office/drawing/2014/main" id="{E7BA807A-7794-4A66-8E13-0D400AA93672}"/>
               </a:ext>
             </a:extLst>
           </p:cNvPr>
@@ -18188,7 +18188,7 @@
           <p:cNvPr id="2" name="Title 1">
             <a:extLst>
               <a:ext uri="{FF2B5EF4-FFF2-40B4-BE49-F238E27FC236}">
-                <a16:creationId xmlns:a16="http://schemas.microsoft.com/office/drawing/2014/main" xmlns="" id="{5F54A1A6-C960-6048-A140-A440F1897D64}"/>
+                <a16:creationId xmlns="" xmlns:a16="http://schemas.microsoft.com/office/drawing/2014/main" id="{5F54A1A6-C960-6048-A140-A440F1897D64}"/>
               </a:ext>
             </a:extLst>
           </p:cNvPr>
@@ -18216,7 +18216,7 @@
           <p:cNvPr id="4" name="Table 3">
             <a:extLst>
               <a:ext uri="{FF2B5EF4-FFF2-40B4-BE49-F238E27FC236}">
-                <a16:creationId xmlns:a16="http://schemas.microsoft.com/office/drawing/2014/main" xmlns="" id="{9277983F-139B-E044-8732-034D09CC3893}"/>
+                <a16:creationId xmlns="" xmlns:a16="http://schemas.microsoft.com/office/drawing/2014/main" id="{9277983F-139B-E044-8732-034D09CC3893}"/>
               </a:ext>
             </a:extLst>
           </p:cNvPr>
@@ -18245,14 +18245,14 @@
                 <a:gridCol w="1697420">
                   <a:extLst>
                     <a:ext uri="{9D8B030D-6E8A-4147-A177-3AD203B41FA5}">
-                      <a16:colId xmlns:a16="http://schemas.microsoft.com/office/drawing/2014/main" xmlns="" val="2784464853"/>
+                      <a16:colId xmlns="" xmlns:a16="http://schemas.microsoft.com/office/drawing/2014/main" val="2784464853"/>
                     </a:ext>
                   </a:extLst>
                 </a:gridCol>
                 <a:gridCol w="6477000">
                   <a:extLst>
                     <a:ext uri="{9D8B030D-6E8A-4147-A177-3AD203B41FA5}">
-                      <a16:colId xmlns:a16="http://schemas.microsoft.com/office/drawing/2014/main" xmlns="" val="1436987824"/>
+                      <a16:colId xmlns="" xmlns:a16="http://schemas.microsoft.com/office/drawing/2014/main" val="1436987824"/>
                     </a:ext>
                   </a:extLst>
                 </a:gridCol>
@@ -18347,7 +18347,7 @@
                 </a:tc>
                 <a:extLst>
                   <a:ext uri="{0D108BD9-81ED-4DB2-BD59-A6C34878D82A}">
-                    <a16:rowId xmlns:a16="http://schemas.microsoft.com/office/drawing/2014/main" xmlns="" val="606336718"/>
+                    <a16:rowId xmlns="" xmlns:a16="http://schemas.microsoft.com/office/drawing/2014/main" val="606336718"/>
                   </a:ext>
                 </a:extLst>
               </a:tr>
@@ -18437,7 +18437,7 @@
                 </a:tc>
                 <a:extLst>
                   <a:ext uri="{0D108BD9-81ED-4DB2-BD59-A6C34878D82A}">
-                    <a16:rowId xmlns:a16="http://schemas.microsoft.com/office/drawing/2014/main" xmlns="" val="1851504393"/>
+                    <a16:rowId xmlns="" xmlns:a16="http://schemas.microsoft.com/office/drawing/2014/main" val="1851504393"/>
                   </a:ext>
                 </a:extLst>
               </a:tr>
@@ -18514,7 +18514,7 @@
                 </a:tc>
                 <a:extLst>
                   <a:ext uri="{0D108BD9-81ED-4DB2-BD59-A6C34878D82A}">
-                    <a16:rowId xmlns:a16="http://schemas.microsoft.com/office/drawing/2014/main" xmlns="" val="2322105400"/>
+                    <a16:rowId xmlns="" xmlns:a16="http://schemas.microsoft.com/office/drawing/2014/main" val="2322105400"/>
                   </a:ext>
                 </a:extLst>
               </a:tr>
@@ -18557,7 +18557,7 @@
           <p:cNvPr id="2" name="Title 1">
             <a:extLst>
               <a:ext uri="{FF2B5EF4-FFF2-40B4-BE49-F238E27FC236}">
-                <a16:creationId xmlns:a16="http://schemas.microsoft.com/office/drawing/2014/main" xmlns="" id="{35526A51-D88D-E043-9066-F2FB0651D7AD}"/>
+                <a16:creationId xmlns="" xmlns:a16="http://schemas.microsoft.com/office/drawing/2014/main" id="{35526A51-D88D-E043-9066-F2FB0651D7AD}"/>
               </a:ext>
             </a:extLst>
           </p:cNvPr>
@@ -18585,7 +18585,7 @@
           <p:cNvPr id="7" name="Picture 6">
             <a:extLst>
               <a:ext uri="{FF2B5EF4-FFF2-40B4-BE49-F238E27FC236}">
-                <a16:creationId xmlns:a16="http://schemas.microsoft.com/office/drawing/2014/main" xmlns="" id="{A2975878-0D71-D340-8773-BA3E62078290}"/>
+                <a16:creationId xmlns="" xmlns:a16="http://schemas.microsoft.com/office/drawing/2014/main" id="{A2975878-0D71-D340-8773-BA3E62078290}"/>
               </a:ext>
             </a:extLst>
           </p:cNvPr>
@@ -19138,7 +19138,7 @@
           <p:cNvPr id="2" name="Title 1">
             <a:extLst>
               <a:ext uri="{FF2B5EF4-FFF2-40B4-BE49-F238E27FC236}">
-                <a16:creationId xmlns:a16="http://schemas.microsoft.com/office/drawing/2014/main" xmlns="" id="{D2D79758-F76E-D845-877F-D6F7A67AB4F6}"/>
+                <a16:creationId xmlns="" xmlns:a16="http://schemas.microsoft.com/office/drawing/2014/main" id="{D2D79758-F76E-D845-877F-D6F7A67AB4F6}"/>
               </a:ext>
             </a:extLst>
           </p:cNvPr>
@@ -19166,7 +19166,7 @@
           <p:cNvPr id="5" name="Table 4">
             <a:extLst>
               <a:ext uri="{FF2B5EF4-FFF2-40B4-BE49-F238E27FC236}">
-                <a16:creationId xmlns:a16="http://schemas.microsoft.com/office/drawing/2014/main" xmlns="" id="{EAF5B722-8014-DC43-B944-E751E589902B}"/>
+                <a16:creationId xmlns="" xmlns:a16="http://schemas.microsoft.com/office/drawing/2014/main" id="{EAF5B722-8014-DC43-B944-E751E589902B}"/>
               </a:ext>
             </a:extLst>
           </p:cNvPr>
@@ -19195,21 +19195,21 @@
                 <a:gridCol w="1752600">
                   <a:extLst>
                     <a:ext uri="{9D8B030D-6E8A-4147-A177-3AD203B41FA5}">
-                      <a16:colId xmlns:a16="http://schemas.microsoft.com/office/drawing/2014/main" xmlns="" val="1983080510"/>
+                      <a16:colId xmlns="" xmlns:a16="http://schemas.microsoft.com/office/drawing/2014/main" val="1983080510"/>
                     </a:ext>
                   </a:extLst>
                 </a:gridCol>
                 <a:gridCol w="2895600">
                   <a:extLst>
                     <a:ext uri="{9D8B030D-6E8A-4147-A177-3AD203B41FA5}">
-                      <a16:colId xmlns:a16="http://schemas.microsoft.com/office/drawing/2014/main" xmlns="" val="3426383098"/>
+                      <a16:colId xmlns="" xmlns:a16="http://schemas.microsoft.com/office/drawing/2014/main" val="3426383098"/>
                     </a:ext>
                   </a:extLst>
                 </a:gridCol>
                 <a:gridCol w="4191000">
                   <a:extLst>
                     <a:ext uri="{9D8B030D-6E8A-4147-A177-3AD203B41FA5}">
-                      <a16:colId xmlns:a16="http://schemas.microsoft.com/office/drawing/2014/main" xmlns="" val="4229687042"/>
+                      <a16:colId xmlns="" xmlns:a16="http://schemas.microsoft.com/office/drawing/2014/main" val="4229687042"/>
                     </a:ext>
                   </a:extLst>
                 </a:gridCol>
@@ -19256,7 +19256,7 @@
                 </a:tc>
                 <a:extLst>
                   <a:ext uri="{0D108BD9-81ED-4DB2-BD59-A6C34878D82A}">
-                    <a16:rowId xmlns:a16="http://schemas.microsoft.com/office/drawing/2014/main" xmlns="" val="3890306993"/>
+                    <a16:rowId xmlns="" xmlns:a16="http://schemas.microsoft.com/office/drawing/2014/main" val="3890306993"/>
                   </a:ext>
                 </a:extLst>
               </a:tr>
@@ -19302,7 +19302,7 @@
                 </a:tc>
                 <a:extLst>
                   <a:ext uri="{0D108BD9-81ED-4DB2-BD59-A6C34878D82A}">
-                    <a16:rowId xmlns:a16="http://schemas.microsoft.com/office/drawing/2014/main" xmlns="" val="3070450556"/>
+                    <a16:rowId xmlns="" xmlns:a16="http://schemas.microsoft.com/office/drawing/2014/main" val="3070450556"/>
                   </a:ext>
                 </a:extLst>
               </a:tr>
@@ -19348,7 +19348,7 @@
                 </a:tc>
                 <a:extLst>
                   <a:ext uri="{0D108BD9-81ED-4DB2-BD59-A6C34878D82A}">
-                    <a16:rowId xmlns:a16="http://schemas.microsoft.com/office/drawing/2014/main" xmlns="" val="934903728"/>
+                    <a16:rowId xmlns="" xmlns:a16="http://schemas.microsoft.com/office/drawing/2014/main" val="934903728"/>
                   </a:ext>
                 </a:extLst>
               </a:tr>
@@ -19391,7 +19391,7 @@
                 </a:tc>
                 <a:extLst>
                   <a:ext uri="{0D108BD9-81ED-4DB2-BD59-A6C34878D82A}">
-                    <a16:rowId xmlns:a16="http://schemas.microsoft.com/office/drawing/2014/main" xmlns="" val="586478244"/>
+                    <a16:rowId xmlns="" xmlns:a16="http://schemas.microsoft.com/office/drawing/2014/main" val="586478244"/>
                   </a:ext>
                 </a:extLst>
               </a:tr>
@@ -19434,7 +19434,7 @@
                 </a:tc>
                 <a:extLst>
                   <a:ext uri="{0D108BD9-81ED-4DB2-BD59-A6C34878D82A}">
-                    <a16:rowId xmlns:a16="http://schemas.microsoft.com/office/drawing/2014/main" xmlns="" val="2381451743"/>
+                    <a16:rowId xmlns="" xmlns:a16="http://schemas.microsoft.com/office/drawing/2014/main" val="2381451743"/>
                   </a:ext>
                 </a:extLst>
               </a:tr>
@@ -19477,7 +19477,7 @@
                 </a:tc>
                 <a:extLst>
                   <a:ext uri="{0D108BD9-81ED-4DB2-BD59-A6C34878D82A}">
-                    <a16:rowId xmlns:a16="http://schemas.microsoft.com/office/drawing/2014/main" xmlns="" val="2593205769"/>
+                    <a16:rowId xmlns="" xmlns:a16="http://schemas.microsoft.com/office/drawing/2014/main" val="2593205769"/>
                   </a:ext>
                 </a:extLst>
               </a:tr>
@@ -19537,7 +19537,7 @@
                 </a:tc>
                 <a:extLst>
                   <a:ext uri="{0D108BD9-81ED-4DB2-BD59-A6C34878D82A}">
-                    <a16:rowId xmlns:a16="http://schemas.microsoft.com/office/drawing/2014/main" xmlns="" val="1855504840"/>
+                    <a16:rowId xmlns="" xmlns:a16="http://schemas.microsoft.com/office/drawing/2014/main" val="1855504840"/>
                   </a:ext>
                 </a:extLst>
               </a:tr>
@@ -19600,7 +19600,7 @@
                 </a:tc>
                 <a:extLst>
                   <a:ext uri="{0D108BD9-81ED-4DB2-BD59-A6C34878D82A}">
-                    <a16:rowId xmlns:a16="http://schemas.microsoft.com/office/drawing/2014/main" xmlns="" val="220037106"/>
+                    <a16:rowId xmlns="" xmlns:a16="http://schemas.microsoft.com/office/drawing/2014/main" val="220037106"/>
                   </a:ext>
                 </a:extLst>
               </a:tr>
@@ -19660,7 +19660,7 @@
                 </a:tc>
                 <a:extLst>
                   <a:ext uri="{0D108BD9-81ED-4DB2-BD59-A6C34878D82A}">
-                    <a16:rowId xmlns:a16="http://schemas.microsoft.com/office/drawing/2014/main" xmlns="" val="4097870118"/>
+                    <a16:rowId xmlns="" xmlns:a16="http://schemas.microsoft.com/office/drawing/2014/main" val="4097870118"/>
                   </a:ext>
                 </a:extLst>
               </a:tr>
@@ -19703,7 +19703,7 @@
           <p:cNvPr id="2" name="Title 1">
             <a:extLst>
               <a:ext uri="{FF2B5EF4-FFF2-40B4-BE49-F238E27FC236}">
-                <a16:creationId xmlns:a16="http://schemas.microsoft.com/office/drawing/2014/main" xmlns="" id="{CCE6B2D2-14A2-174D-90CE-122FF1316D55}"/>
+                <a16:creationId xmlns="" xmlns:a16="http://schemas.microsoft.com/office/drawing/2014/main" id="{CCE6B2D2-14A2-174D-90CE-122FF1316D55}"/>
               </a:ext>
             </a:extLst>
           </p:cNvPr>
@@ -19731,7 +19731,7 @@
           <p:cNvPr id="3" name="Content Placeholder 2">
             <a:extLst>
               <a:ext uri="{FF2B5EF4-FFF2-40B4-BE49-F238E27FC236}">
-                <a16:creationId xmlns:a16="http://schemas.microsoft.com/office/drawing/2014/main" xmlns="" id="{4717B95D-26C3-0345-810D-89E32340FA1F}"/>
+                <a16:creationId xmlns="" xmlns:a16="http://schemas.microsoft.com/office/drawing/2014/main" id="{4717B95D-26C3-0345-810D-89E32340FA1F}"/>
               </a:ext>
             </a:extLst>
           </p:cNvPr>
@@ -19836,7 +19836,7 @@
           <p:cNvPr id="2" name="Title 1">
             <a:extLst>
               <a:ext uri="{FF2B5EF4-FFF2-40B4-BE49-F238E27FC236}">
-                <a16:creationId xmlns:a16="http://schemas.microsoft.com/office/drawing/2014/main" xmlns="" id="{05D68E41-537D-45C3-B1BB-A379ECEF31C4}"/>
+                <a16:creationId xmlns="" xmlns:a16="http://schemas.microsoft.com/office/drawing/2014/main" id="{05D68E41-537D-45C3-B1BB-A379ECEF31C4}"/>
               </a:ext>
             </a:extLst>
           </p:cNvPr>
@@ -19864,7 +19864,7 @@
           <p:cNvPr id="3" name="Content Placeholder 2">
             <a:extLst>
               <a:ext uri="{FF2B5EF4-FFF2-40B4-BE49-F238E27FC236}">
-                <a16:creationId xmlns:a16="http://schemas.microsoft.com/office/drawing/2014/main" xmlns="" id="{5C46B23A-600C-411F-B65B-331673BB212B}"/>
+                <a16:creationId xmlns="" xmlns:a16="http://schemas.microsoft.com/office/drawing/2014/main" id="{5C46B23A-600C-411F-B65B-331673BB212B}"/>
               </a:ext>
             </a:extLst>
           </p:cNvPr>
@@ -20040,7 +20040,7 @@
           <a:graphicData uri="http://schemas.openxmlformats.org/presentationml/2006/ole">
             <mc:AlternateContent xmlns:mc="http://schemas.openxmlformats.org/markup-compatibility/2006">
               <mc:Choice xmlns:v="urn:schemas-microsoft-com:vml" Requires="v">
-                <p:oleObj spid="_x0000_s3149" name="Worksheet" showAsIcon="1" r:id="rId5" imgW="914400" imgH="771480" progId="Excel.Sheet.12">
+                <p:oleObj spid="_x0000_s3153" name="Worksheet" showAsIcon="1" r:id="rId5" imgW="914400" imgH="771480" progId="Excel.Sheet.12">
                   <p:embed/>
                 </p:oleObj>
               </mc:Choice>
@@ -20129,7 +20129,7 @@
           <a:graphicData uri="http://schemas.openxmlformats.org/presentationml/2006/ole">
             <mc:AlternateContent xmlns:mc="http://schemas.openxmlformats.org/markup-compatibility/2006">
               <mc:Choice xmlns:v="urn:schemas-microsoft-com:vml" Requires="v">
-                <p:oleObj spid="_x0000_s3150" name="Packager Shell Object" showAsIcon="1" r:id="rId7" imgW="914400" imgH="771480" progId="Package">
+                <p:oleObj spid="_x0000_s3154" name="Packager Shell Object" showAsIcon="1" r:id="rId7" imgW="914400" imgH="771480" progId="Package">
                   <p:embed/>
                 </p:oleObj>
               </mc:Choice>
@@ -20404,98 +20404,98 @@
                 <a:gridCol w="836012">
                   <a:extLst>
                     <a:ext uri="{9D8B030D-6E8A-4147-A177-3AD203B41FA5}">
-                      <a16:colId xmlns:a16="http://schemas.microsoft.com/office/drawing/2014/main" xmlns="" val="20000"/>
+                      <a16:colId xmlns="" xmlns:a16="http://schemas.microsoft.com/office/drawing/2014/main" val="20000"/>
                     </a:ext>
                   </a:extLst>
                 </a:gridCol>
                 <a:gridCol w="658464">
                   <a:extLst>
                     <a:ext uri="{9D8B030D-6E8A-4147-A177-3AD203B41FA5}">
-                      <a16:colId xmlns:a16="http://schemas.microsoft.com/office/drawing/2014/main" xmlns="" val="20001"/>
+                      <a16:colId xmlns="" xmlns:a16="http://schemas.microsoft.com/office/drawing/2014/main" val="20001"/>
                     </a:ext>
                   </a:extLst>
                 </a:gridCol>
                 <a:gridCol w="658464">
                   <a:extLst>
                     <a:ext uri="{9D8B030D-6E8A-4147-A177-3AD203B41FA5}">
-                      <a16:colId xmlns:a16="http://schemas.microsoft.com/office/drawing/2014/main" xmlns="" val="20002"/>
+                      <a16:colId xmlns="" xmlns:a16="http://schemas.microsoft.com/office/drawing/2014/main" val="20002"/>
                     </a:ext>
                   </a:extLst>
                 </a:gridCol>
                 <a:gridCol w="583210">
                   <a:extLst>
                     <a:ext uri="{9D8B030D-6E8A-4147-A177-3AD203B41FA5}">
-                      <a16:colId xmlns:a16="http://schemas.microsoft.com/office/drawing/2014/main" xmlns="" val="20003"/>
+                      <a16:colId xmlns="" xmlns:a16="http://schemas.microsoft.com/office/drawing/2014/main" val="20003"/>
                     </a:ext>
                   </a:extLst>
                 </a:gridCol>
                 <a:gridCol w="659820">
                   <a:extLst>
                     <a:ext uri="{9D8B030D-6E8A-4147-A177-3AD203B41FA5}">
-                      <a16:colId xmlns:a16="http://schemas.microsoft.com/office/drawing/2014/main" xmlns="" val="20004"/>
+                      <a16:colId xmlns="" xmlns:a16="http://schemas.microsoft.com/office/drawing/2014/main" val="20004"/>
                     </a:ext>
                   </a:extLst>
                 </a:gridCol>
                 <a:gridCol w="522114">
                   <a:extLst>
                     <a:ext uri="{9D8B030D-6E8A-4147-A177-3AD203B41FA5}">
-                      <a16:colId xmlns:a16="http://schemas.microsoft.com/office/drawing/2014/main" xmlns="" val="20005"/>
+                      <a16:colId xmlns="" xmlns:a16="http://schemas.microsoft.com/office/drawing/2014/main" val="20005"/>
                     </a:ext>
                   </a:extLst>
                 </a:gridCol>
                 <a:gridCol w="568576">
                   <a:extLst>
                     <a:ext uri="{9D8B030D-6E8A-4147-A177-3AD203B41FA5}">
-                      <a16:colId xmlns:a16="http://schemas.microsoft.com/office/drawing/2014/main" xmlns="" val="20006"/>
+                      <a16:colId xmlns="" xmlns:a16="http://schemas.microsoft.com/office/drawing/2014/main" val="20006"/>
                     </a:ext>
                   </a:extLst>
                 </a:gridCol>
                 <a:gridCol w="652881">
                   <a:extLst>
                     <a:ext uri="{9D8B030D-6E8A-4147-A177-3AD203B41FA5}">
-                      <a16:colId xmlns:a16="http://schemas.microsoft.com/office/drawing/2014/main" xmlns="" val="20007"/>
+                      <a16:colId xmlns="" xmlns:a16="http://schemas.microsoft.com/office/drawing/2014/main" val="20007"/>
                     </a:ext>
                   </a:extLst>
                 </a:gridCol>
                 <a:gridCol w="712342">
                   <a:extLst>
                     <a:ext uri="{9D8B030D-6E8A-4147-A177-3AD203B41FA5}">
-                      <a16:colId xmlns:a16="http://schemas.microsoft.com/office/drawing/2014/main" xmlns="" val="20008"/>
+                      <a16:colId xmlns="" xmlns:a16="http://schemas.microsoft.com/office/drawing/2014/main" val="20008"/>
                     </a:ext>
                   </a:extLst>
                 </a:gridCol>
                 <a:gridCol w="516117">
                   <a:extLst>
                     <a:ext uri="{9D8B030D-6E8A-4147-A177-3AD203B41FA5}">
-                      <a16:colId xmlns:a16="http://schemas.microsoft.com/office/drawing/2014/main" xmlns="" val="20009"/>
+                      <a16:colId xmlns="" xmlns:a16="http://schemas.microsoft.com/office/drawing/2014/main" val="20009"/>
                     </a:ext>
                   </a:extLst>
                 </a:gridCol>
                 <a:gridCol w="516117">
                   <a:extLst>
                     <a:ext uri="{9D8B030D-6E8A-4147-A177-3AD203B41FA5}">
-                      <a16:colId xmlns:a16="http://schemas.microsoft.com/office/drawing/2014/main" xmlns="" val="20010"/>
+                      <a16:colId xmlns="" xmlns:a16="http://schemas.microsoft.com/office/drawing/2014/main" val="20010"/>
                     </a:ext>
                   </a:extLst>
                 </a:gridCol>
                 <a:gridCol w="516117">
                   <a:extLst>
                     <a:ext uri="{9D8B030D-6E8A-4147-A177-3AD203B41FA5}">
-                      <a16:colId xmlns:a16="http://schemas.microsoft.com/office/drawing/2014/main" xmlns="" val="20011"/>
+                      <a16:colId xmlns="" xmlns:a16="http://schemas.microsoft.com/office/drawing/2014/main" val="20011"/>
                     </a:ext>
                   </a:extLst>
                 </a:gridCol>
                 <a:gridCol w="516117">
                   <a:extLst>
                     <a:ext uri="{9D8B030D-6E8A-4147-A177-3AD203B41FA5}">
-                      <a16:colId xmlns:a16="http://schemas.microsoft.com/office/drawing/2014/main" xmlns="" val="20012"/>
+                      <a16:colId xmlns="" xmlns:a16="http://schemas.microsoft.com/office/drawing/2014/main" val="20012"/>
                     </a:ext>
                   </a:extLst>
                 </a:gridCol>
                 <a:gridCol w="503750">
                   <a:extLst>
                     <a:ext uri="{9D8B030D-6E8A-4147-A177-3AD203B41FA5}">
-                      <a16:colId xmlns:a16="http://schemas.microsoft.com/office/drawing/2014/main" xmlns="" val="20013"/>
+                      <a16:colId xmlns="" xmlns:a16="http://schemas.microsoft.com/office/drawing/2014/main" val="20013"/>
                     </a:ext>
                   </a:extLst>
                 </a:gridCol>
@@ -21981,7 +21981,7 @@
                 </a:tc>
                 <a:extLst>
                   <a:ext uri="{0D108BD9-81ED-4DB2-BD59-A6C34878D82A}">
-                    <a16:rowId xmlns:a16="http://schemas.microsoft.com/office/drawing/2014/main" xmlns="" val="10000"/>
+                    <a16:rowId xmlns="" xmlns:a16="http://schemas.microsoft.com/office/drawing/2014/main" val="10000"/>
                   </a:ext>
                 </a:extLst>
               </a:tr>
@@ -23118,7 +23118,7 @@
                 </a:tc>
                 <a:extLst>
                   <a:ext uri="{0D108BD9-81ED-4DB2-BD59-A6C34878D82A}">
-                    <a16:rowId xmlns:a16="http://schemas.microsoft.com/office/drawing/2014/main" xmlns="" val="10001"/>
+                    <a16:rowId xmlns="" xmlns:a16="http://schemas.microsoft.com/office/drawing/2014/main" val="10001"/>
                   </a:ext>
                 </a:extLst>
               </a:tr>
@@ -24292,7 +24292,7 @@
                 </a:tc>
                 <a:extLst>
                   <a:ext uri="{0D108BD9-81ED-4DB2-BD59-A6C34878D82A}">
-                    <a16:rowId xmlns:a16="http://schemas.microsoft.com/office/drawing/2014/main" xmlns="" val="10002"/>
+                    <a16:rowId xmlns="" xmlns:a16="http://schemas.microsoft.com/office/drawing/2014/main" val="10002"/>
                   </a:ext>
                 </a:extLst>
               </a:tr>
@@ -25504,7 +25504,7 @@
                 </a:tc>
                 <a:extLst>
                   <a:ext uri="{0D108BD9-81ED-4DB2-BD59-A6C34878D82A}">
-                    <a16:rowId xmlns:a16="http://schemas.microsoft.com/office/drawing/2014/main" xmlns="" val="10003"/>
+                    <a16:rowId xmlns="" xmlns:a16="http://schemas.microsoft.com/office/drawing/2014/main" val="10003"/>
                   </a:ext>
                 </a:extLst>
               </a:tr>
@@ -29041,6 +29041,17 @@
               <a:buChar char="•"/>
             </a:pPr>
             <a:r>
+              <a:rPr lang="en-US" sz="2800" dirty="0" smtClean="0">
+                <a:solidFill>
+                  <a:prstClr val="black">
+                    <a:lumMod val="85000"/>
+                    <a:lumOff val="15000"/>
+                  </a:prstClr>
+                </a:solidFill>
+              </a:rPr>
+              <a:t>Technical </a:t>
+            </a:r>
+            <a:r>
               <a:rPr lang="en-US" sz="2800" dirty="0">
                 <a:solidFill>
                   <a:prstClr val="black">
@@ -29049,7 +29060,7 @@
                   </a:prstClr>
                 </a:solidFill>
               </a:rPr>
-              <a:t>Transition Strategy (with one Use Case)</a:t>
+              <a:t>Issues / Problems</a:t>
             </a:r>
           </a:p>
           <a:p>
@@ -29061,6 +29072,17 @@
               <a:buChar char="•"/>
             </a:pPr>
             <a:r>
+              <a:rPr lang="en-US" sz="2800" dirty="0" smtClean="0">
+                <a:solidFill>
+                  <a:prstClr val="black">
+                    <a:lumMod val="85000"/>
+                    <a:lumOff val="15000"/>
+                  </a:prstClr>
+                </a:solidFill>
+              </a:rPr>
+              <a:t>Project Progress - Status, </a:t>
+            </a:r>
+            <a:r>
               <a:rPr lang="en-US" sz="2800" dirty="0">
                 <a:solidFill>
                   <a:prstClr val="black">
@@ -29069,8 +29091,16 @@
                   </a:prstClr>
                 </a:solidFill>
               </a:rPr>
-              <a:t>Technical Issues / Problems</a:t>
+              <a:t>Risks </a:t>
             </a:r>
+            <a:endParaRPr lang="en-US" sz="2800" dirty="0" smtClean="0">
+              <a:solidFill>
+                <a:prstClr val="black">
+                  <a:lumMod val="85000"/>
+                  <a:lumOff val="15000"/>
+                </a:prstClr>
+              </a:solidFill>
+            </a:endParaRPr>
           </a:p>
           <a:p>
             <a:pPr marL="342900" indent="-342900">
@@ -29081,7 +29111,7 @@
               <a:buChar char="•"/>
             </a:pPr>
             <a:r>
-              <a:rPr lang="en-US" sz="2800" dirty="0">
+              <a:rPr lang="en-US" sz="2800" dirty="0" smtClean="0">
                 <a:solidFill>
                   <a:prstClr val="black">
                     <a:lumMod val="85000"/>
@@ -29089,19 +29119,10 @@
                   </a:prstClr>
                 </a:solidFill>
               </a:rPr>
-              <a:t>Demo. </a:t>
+              <a:t>Challenges/Learnings &amp; </a:t>
             </a:r>
-          </a:p>
-          <a:p>
-            <a:pPr marL="342900" indent="-342900">
-              <a:lnSpc>
-                <a:spcPct val="114000"/>
-              </a:lnSpc>
-              <a:buFont typeface="Arial" panose="020B0604020202020204" pitchFamily="34" charset="0"/>
-              <a:buChar char="•"/>
-            </a:pPr>
             <a:r>
-              <a:rPr lang="en-US" sz="2800" dirty="0">
+              <a:rPr lang="en-US" sz="2800" smtClean="0">
                 <a:solidFill>
                   <a:prstClr val="black">
                     <a:lumMod val="85000"/>
@@ -29109,28 +29130,16 @@
                   </a:prstClr>
                 </a:solidFill>
               </a:rPr>
-              <a:t>Testing Strategy </a:t>
+              <a:t>Next Steps…</a:t>
             </a:r>
-          </a:p>
-          <a:p>
-            <a:pPr marL="342900" indent="-342900">
-              <a:lnSpc>
-                <a:spcPct val="114000"/>
-              </a:lnSpc>
-              <a:buFont typeface="Arial" panose="020B0604020202020204" pitchFamily="34" charset="0"/>
-              <a:buChar char="•"/>
-            </a:pPr>
-            <a:r>
-              <a:rPr lang="en-US" sz="2800" dirty="0">
-                <a:solidFill>
-                  <a:prstClr val="black">
-                    <a:lumMod val="85000"/>
-                    <a:lumOff val="15000"/>
-                  </a:prstClr>
-                </a:solidFill>
-              </a:rPr>
-              <a:t>Project Progress, Risks &amp; Challenges</a:t>
-            </a:r>
+            <a:endParaRPr lang="en-US" sz="2800" dirty="0">
+              <a:solidFill>
+                <a:prstClr val="black">
+                  <a:lumMod val="85000"/>
+                  <a:lumOff val="15000"/>
+                </a:prstClr>
+              </a:solidFill>
+            </a:endParaRPr>
           </a:p>
           <a:p>
             <a:pPr marL="342900" indent="-342900">
@@ -35497,14 +35506,14 @@
                 <a:gridCol w="1568323">
                   <a:extLst>
                     <a:ext uri="{9D8B030D-6E8A-4147-A177-3AD203B41FA5}">
-                      <a16:colId xmlns:a16="http://schemas.microsoft.com/office/drawing/2014/main" xmlns="" val="20000"/>
+                      <a16:colId xmlns="" xmlns:a16="http://schemas.microsoft.com/office/drawing/2014/main" val="20000"/>
                     </a:ext>
                   </a:extLst>
                 </a:gridCol>
                 <a:gridCol w="1555877">
                   <a:extLst>
                     <a:ext uri="{9D8B030D-6E8A-4147-A177-3AD203B41FA5}">
-                      <a16:colId xmlns:a16="http://schemas.microsoft.com/office/drawing/2014/main" xmlns="" val="20001"/>
+                      <a16:colId xmlns="" xmlns:a16="http://schemas.microsoft.com/office/drawing/2014/main" val="20001"/>
                     </a:ext>
                   </a:extLst>
                 </a:gridCol>
@@ -35602,7 +35611,7 @@
                 </a:tc>
                 <a:extLst>
                   <a:ext uri="{0D108BD9-81ED-4DB2-BD59-A6C34878D82A}">
-                    <a16:rowId xmlns:a16="http://schemas.microsoft.com/office/drawing/2014/main" xmlns="" val="10000"/>
+                    <a16:rowId xmlns="" xmlns:a16="http://schemas.microsoft.com/office/drawing/2014/main" val="10000"/>
                   </a:ext>
                 </a:extLst>
               </a:tr>
@@ -35753,7 +35762,7 @@
                 </a:tc>
                 <a:extLst>
                   <a:ext uri="{0D108BD9-81ED-4DB2-BD59-A6C34878D82A}">
-                    <a16:rowId xmlns:a16="http://schemas.microsoft.com/office/drawing/2014/main" xmlns="" val="10001"/>
+                    <a16:rowId xmlns="" xmlns:a16="http://schemas.microsoft.com/office/drawing/2014/main" val="10001"/>
                   </a:ext>
                 </a:extLst>
               </a:tr>
@@ -35898,7 +35907,7 @@
                 </a:tc>
                 <a:extLst>
                   <a:ext uri="{0D108BD9-81ED-4DB2-BD59-A6C34878D82A}">
-                    <a16:rowId xmlns:a16="http://schemas.microsoft.com/office/drawing/2014/main" xmlns="" val="10002"/>
+                    <a16:rowId xmlns="" xmlns:a16="http://schemas.microsoft.com/office/drawing/2014/main" val="10002"/>
                   </a:ext>
                 </a:extLst>
               </a:tr>
@@ -36043,7 +36052,7 @@
                 </a:tc>
                 <a:extLst>
                   <a:ext uri="{0D108BD9-81ED-4DB2-BD59-A6C34878D82A}">
-                    <a16:rowId xmlns:a16="http://schemas.microsoft.com/office/drawing/2014/main" xmlns="" val="10003"/>
+                    <a16:rowId xmlns="" xmlns:a16="http://schemas.microsoft.com/office/drawing/2014/main" val="10003"/>
                   </a:ext>
                 </a:extLst>
               </a:tr>
@@ -36188,7 +36197,7 @@
                 </a:tc>
                 <a:extLst>
                   <a:ext uri="{0D108BD9-81ED-4DB2-BD59-A6C34878D82A}">
-                    <a16:rowId xmlns:a16="http://schemas.microsoft.com/office/drawing/2014/main" xmlns="" val="10004"/>
+                    <a16:rowId xmlns="" xmlns:a16="http://schemas.microsoft.com/office/drawing/2014/main" val="10004"/>
                   </a:ext>
                 </a:extLst>
               </a:tr>
@@ -36333,7 +36342,7 @@
                 </a:tc>
                 <a:extLst>
                   <a:ext uri="{0D108BD9-81ED-4DB2-BD59-A6C34878D82A}">
-                    <a16:rowId xmlns:a16="http://schemas.microsoft.com/office/drawing/2014/main" xmlns="" val="10005"/>
+                    <a16:rowId xmlns="" xmlns:a16="http://schemas.microsoft.com/office/drawing/2014/main" val="10005"/>
                   </a:ext>
                 </a:extLst>
               </a:tr>
@@ -36478,7 +36487,7 @@
                 </a:tc>
                 <a:extLst>
                   <a:ext uri="{0D108BD9-81ED-4DB2-BD59-A6C34878D82A}">
-                    <a16:rowId xmlns:a16="http://schemas.microsoft.com/office/drawing/2014/main" xmlns="" val="10006"/>
+                    <a16:rowId xmlns="" xmlns:a16="http://schemas.microsoft.com/office/drawing/2014/main" val="10006"/>
                   </a:ext>
                 </a:extLst>
               </a:tr>
@@ -36635,7 +36644,7 @@
                 </a:tc>
                 <a:extLst>
                   <a:ext uri="{0D108BD9-81ED-4DB2-BD59-A6C34878D82A}">
-                    <a16:rowId xmlns:a16="http://schemas.microsoft.com/office/drawing/2014/main" xmlns="" val="10007"/>
+                    <a16:rowId xmlns="" xmlns:a16="http://schemas.microsoft.com/office/drawing/2014/main" val="10007"/>
                   </a:ext>
                 </a:extLst>
               </a:tr>
@@ -36780,7 +36789,7 @@
                 </a:tc>
                 <a:extLst>
                   <a:ext uri="{0D108BD9-81ED-4DB2-BD59-A6C34878D82A}">
-                    <a16:rowId xmlns:a16="http://schemas.microsoft.com/office/drawing/2014/main" xmlns="" val="10008"/>
+                    <a16:rowId xmlns="" xmlns:a16="http://schemas.microsoft.com/office/drawing/2014/main" val="10008"/>
                   </a:ext>
                 </a:extLst>
               </a:tr>
@@ -37054,7 +37063,7 @@
                 </a:tc>
                 <a:extLst>
                   <a:ext uri="{0D108BD9-81ED-4DB2-BD59-A6C34878D82A}">
-                    <a16:rowId xmlns:a16="http://schemas.microsoft.com/office/drawing/2014/main" xmlns="" val="10009"/>
+                    <a16:rowId xmlns="" xmlns:a16="http://schemas.microsoft.com/office/drawing/2014/main" val="10009"/>
                   </a:ext>
                 </a:extLst>
               </a:tr>
@@ -37152,21 +37161,21 @@
                 <a:gridCol w="2590800">
                   <a:extLst>
                     <a:ext uri="{9D8B030D-6E8A-4147-A177-3AD203B41FA5}">
-                      <a16:colId xmlns:a16="http://schemas.microsoft.com/office/drawing/2014/main" xmlns="" val="20000"/>
+                      <a16:colId xmlns="" xmlns:a16="http://schemas.microsoft.com/office/drawing/2014/main" val="20000"/>
                     </a:ext>
                   </a:extLst>
                 </a:gridCol>
                 <a:gridCol w="2819400">
                   <a:extLst>
                     <a:ext uri="{9D8B030D-6E8A-4147-A177-3AD203B41FA5}">
-                      <a16:colId xmlns:a16="http://schemas.microsoft.com/office/drawing/2014/main" xmlns="" val="20001"/>
+                      <a16:colId xmlns="" xmlns:a16="http://schemas.microsoft.com/office/drawing/2014/main" val="20001"/>
                     </a:ext>
                   </a:extLst>
                 </a:gridCol>
                 <a:gridCol w="2667000">
                   <a:extLst>
                     <a:ext uri="{9D8B030D-6E8A-4147-A177-3AD203B41FA5}">
-                      <a16:colId xmlns:a16="http://schemas.microsoft.com/office/drawing/2014/main" xmlns="" val="20002"/>
+                      <a16:colId xmlns="" xmlns:a16="http://schemas.microsoft.com/office/drawing/2014/main" val="20002"/>
                     </a:ext>
                   </a:extLst>
                 </a:gridCol>
@@ -37400,7 +37409,7 @@
                 </a:tc>
                 <a:extLst>
                   <a:ext uri="{0D108BD9-81ED-4DB2-BD59-A6C34878D82A}">
-                    <a16:rowId xmlns:a16="http://schemas.microsoft.com/office/drawing/2014/main" xmlns="" val="10000"/>
+                    <a16:rowId xmlns="" xmlns:a16="http://schemas.microsoft.com/office/drawing/2014/main" val="10000"/>
                   </a:ext>
                 </a:extLst>
               </a:tr>
@@ -38349,7 +38358,7 @@
                 </a:tc>
                 <a:extLst>
                   <a:ext uri="{0D108BD9-81ED-4DB2-BD59-A6C34878D82A}">
-                    <a16:rowId xmlns:a16="http://schemas.microsoft.com/office/drawing/2014/main" xmlns="" val="10001"/>
+                    <a16:rowId xmlns="" xmlns:a16="http://schemas.microsoft.com/office/drawing/2014/main" val="10001"/>
                   </a:ext>
                 </a:extLst>
               </a:tr>
@@ -38450,21 +38459,21 @@
                 <a:gridCol w="2037032">
                   <a:extLst>
                     <a:ext uri="{9D8B030D-6E8A-4147-A177-3AD203B41FA5}">
-                      <a16:colId xmlns:a16="http://schemas.microsoft.com/office/drawing/2014/main" xmlns="" val="20000"/>
+                      <a16:colId xmlns="" xmlns:a16="http://schemas.microsoft.com/office/drawing/2014/main" val="20000"/>
                     </a:ext>
                   </a:extLst>
                 </a:gridCol>
                 <a:gridCol w="3824630">
                   <a:extLst>
                     <a:ext uri="{9D8B030D-6E8A-4147-A177-3AD203B41FA5}">
-                      <a16:colId xmlns:a16="http://schemas.microsoft.com/office/drawing/2014/main" xmlns="" val="20001"/>
+                      <a16:colId xmlns="" xmlns:a16="http://schemas.microsoft.com/office/drawing/2014/main" val="20001"/>
                     </a:ext>
                   </a:extLst>
                 </a:gridCol>
                 <a:gridCol w="2672738">
                   <a:extLst>
                     <a:ext uri="{9D8B030D-6E8A-4147-A177-3AD203B41FA5}">
-                      <a16:colId xmlns:a16="http://schemas.microsoft.com/office/drawing/2014/main" xmlns="" val="20002"/>
+                      <a16:colId xmlns="" xmlns:a16="http://schemas.microsoft.com/office/drawing/2014/main" val="20002"/>
                     </a:ext>
                   </a:extLst>
                 </a:gridCol>
@@ -38715,7 +38724,7 @@
                 </a:tc>
                 <a:extLst>
                   <a:ext uri="{0D108BD9-81ED-4DB2-BD59-A6C34878D82A}">
-                    <a16:rowId xmlns:a16="http://schemas.microsoft.com/office/drawing/2014/main" xmlns="" val="10000"/>
+                    <a16:rowId xmlns="" xmlns:a16="http://schemas.microsoft.com/office/drawing/2014/main" val="10000"/>
                   </a:ext>
                 </a:extLst>
               </a:tr>
@@ -39333,7 +39342,7 @@
                 </a:tc>
                 <a:extLst>
                   <a:ext uri="{0D108BD9-81ED-4DB2-BD59-A6C34878D82A}">
-                    <a16:rowId xmlns:a16="http://schemas.microsoft.com/office/drawing/2014/main" xmlns="" val="10001"/>
+                    <a16:rowId xmlns="" xmlns:a16="http://schemas.microsoft.com/office/drawing/2014/main" val="10001"/>
                   </a:ext>
                 </a:extLst>
               </a:tr>
@@ -39780,7 +39789,7 @@
                 </a:tc>
                 <a:extLst>
                   <a:ext uri="{0D108BD9-81ED-4DB2-BD59-A6C34878D82A}">
-                    <a16:rowId xmlns:a16="http://schemas.microsoft.com/office/drawing/2014/main" xmlns="" val="10002"/>
+                    <a16:rowId xmlns="" xmlns:a16="http://schemas.microsoft.com/office/drawing/2014/main" val="10002"/>
                   </a:ext>
                 </a:extLst>
               </a:tr>
@@ -39999,7 +40008,7 @@
                 </a:tc>
                 <a:extLst>
                   <a:ext uri="{0D108BD9-81ED-4DB2-BD59-A6C34878D82A}">
-                    <a16:rowId xmlns:a16="http://schemas.microsoft.com/office/drawing/2014/main" xmlns="" val="10003"/>
+                    <a16:rowId xmlns="" xmlns:a16="http://schemas.microsoft.com/office/drawing/2014/main" val="10003"/>
                   </a:ext>
                 </a:extLst>
               </a:tr>
@@ -40420,7 +40429,7 @@
                 </a:tc>
                 <a:extLst>
                   <a:ext uri="{0D108BD9-81ED-4DB2-BD59-A6C34878D82A}">
-                    <a16:rowId xmlns:a16="http://schemas.microsoft.com/office/drawing/2014/main" xmlns="" val="10004"/>
+                    <a16:rowId xmlns="" xmlns:a16="http://schemas.microsoft.com/office/drawing/2014/main" val="10004"/>
                   </a:ext>
                 </a:extLst>
               </a:tr>
@@ -40496,21 +40505,21 @@
                 <a:gridCol w="1563964">
                   <a:extLst>
                     <a:ext uri="{9D8B030D-6E8A-4147-A177-3AD203B41FA5}">
-                      <a16:colId xmlns:a16="http://schemas.microsoft.com/office/drawing/2014/main" xmlns="" val="20000"/>
+                      <a16:colId xmlns="" xmlns:a16="http://schemas.microsoft.com/office/drawing/2014/main" val="20000"/>
                     </a:ext>
                   </a:extLst>
                 </a:gridCol>
                 <a:gridCol w="3836137">
                   <a:extLst>
                     <a:ext uri="{9D8B030D-6E8A-4147-A177-3AD203B41FA5}">
-                      <a16:colId xmlns:a16="http://schemas.microsoft.com/office/drawing/2014/main" xmlns="" val="20001"/>
+                      <a16:colId xmlns="" xmlns:a16="http://schemas.microsoft.com/office/drawing/2014/main" val="20001"/>
                     </a:ext>
                   </a:extLst>
                 </a:gridCol>
                 <a:gridCol w="2677098">
                   <a:extLst>
                     <a:ext uri="{9D8B030D-6E8A-4147-A177-3AD203B41FA5}">
-                      <a16:colId xmlns:a16="http://schemas.microsoft.com/office/drawing/2014/main" xmlns="" val="20002"/>
+                      <a16:colId xmlns="" xmlns:a16="http://schemas.microsoft.com/office/drawing/2014/main" val="20002"/>
                     </a:ext>
                   </a:extLst>
                 </a:gridCol>
@@ -40728,7 +40737,7 @@
                 </a:tc>
                 <a:extLst>
                   <a:ext uri="{0D108BD9-81ED-4DB2-BD59-A6C34878D82A}">
-                    <a16:rowId xmlns:a16="http://schemas.microsoft.com/office/drawing/2014/main" xmlns="" val="10000"/>
+                    <a16:rowId xmlns="" xmlns:a16="http://schemas.microsoft.com/office/drawing/2014/main" val="10000"/>
                   </a:ext>
                 </a:extLst>
               </a:tr>
@@ -41118,7 +41127,7 @@
                 </a:tc>
                 <a:extLst>
                   <a:ext uri="{0D108BD9-81ED-4DB2-BD59-A6C34878D82A}">
-                    <a16:rowId xmlns:a16="http://schemas.microsoft.com/office/drawing/2014/main" xmlns="" val="10001"/>
+                    <a16:rowId xmlns="" xmlns:a16="http://schemas.microsoft.com/office/drawing/2014/main" val="10001"/>
                   </a:ext>
                 </a:extLst>
               </a:tr>
@@ -41565,7 +41574,7 @@
                 </a:tc>
                 <a:extLst>
                   <a:ext uri="{0D108BD9-81ED-4DB2-BD59-A6C34878D82A}">
-                    <a16:rowId xmlns:a16="http://schemas.microsoft.com/office/drawing/2014/main" xmlns="" val="10002"/>
+                    <a16:rowId xmlns="" xmlns:a16="http://schemas.microsoft.com/office/drawing/2014/main" val="10002"/>
                   </a:ext>
                 </a:extLst>
               </a:tr>
@@ -41926,7 +41935,7 @@
                 </a:tc>
                 <a:extLst>
                   <a:ext uri="{0D108BD9-81ED-4DB2-BD59-A6C34878D82A}">
-                    <a16:rowId xmlns:a16="http://schemas.microsoft.com/office/drawing/2014/main" xmlns="" val="10003"/>
+                    <a16:rowId xmlns="" xmlns:a16="http://schemas.microsoft.com/office/drawing/2014/main" val="10003"/>
                   </a:ext>
                 </a:extLst>
               </a:tr>
@@ -42225,7 +42234,7 @@
                 </a:tc>
                 <a:extLst>
                   <a:ext uri="{0D108BD9-81ED-4DB2-BD59-A6C34878D82A}">
-                    <a16:rowId xmlns:a16="http://schemas.microsoft.com/office/drawing/2014/main" xmlns="" val="10004"/>
+                    <a16:rowId xmlns="" xmlns:a16="http://schemas.microsoft.com/office/drawing/2014/main" val="10004"/>
                   </a:ext>
                 </a:extLst>
               </a:tr>
@@ -43125,7 +43134,7 @@
           <p:cNvPr id="3" name="Picture 2">
             <a:extLst>
               <a:ext uri="{FF2B5EF4-FFF2-40B4-BE49-F238E27FC236}">
-                <a16:creationId xmlns:a16="http://schemas.microsoft.com/office/drawing/2014/main" xmlns="" id="{C0A2CC19-6FDA-4ADE-82DC-E38A631C6A53}"/>
+                <a16:creationId xmlns="" xmlns:a16="http://schemas.microsoft.com/office/drawing/2014/main" id="{C0A2CC19-6FDA-4ADE-82DC-E38A631C6A53}"/>
               </a:ext>
             </a:extLst>
           </p:cNvPr>
@@ -43503,21 +43512,21 @@
                 <a:gridCol w="2590800">
                   <a:extLst>
                     <a:ext uri="{9D8B030D-6E8A-4147-A177-3AD203B41FA5}">
-                      <a16:colId xmlns:a16="http://schemas.microsoft.com/office/drawing/2014/main" xmlns="" val="20000"/>
+                      <a16:colId xmlns="" xmlns:a16="http://schemas.microsoft.com/office/drawing/2014/main" val="20000"/>
                     </a:ext>
                   </a:extLst>
                 </a:gridCol>
                 <a:gridCol w="2819400">
                   <a:extLst>
                     <a:ext uri="{9D8B030D-6E8A-4147-A177-3AD203B41FA5}">
-                      <a16:colId xmlns:a16="http://schemas.microsoft.com/office/drawing/2014/main" xmlns="" val="20001"/>
+                      <a16:colId xmlns="" xmlns:a16="http://schemas.microsoft.com/office/drawing/2014/main" val="20001"/>
                     </a:ext>
                   </a:extLst>
                 </a:gridCol>
                 <a:gridCol w="2667000">
                   <a:extLst>
                     <a:ext uri="{9D8B030D-6E8A-4147-A177-3AD203B41FA5}">
-                      <a16:colId xmlns:a16="http://schemas.microsoft.com/office/drawing/2014/main" xmlns="" val="20002"/>
+                      <a16:colId xmlns="" xmlns:a16="http://schemas.microsoft.com/office/drawing/2014/main" val="20002"/>
                     </a:ext>
                   </a:extLst>
                 </a:gridCol>
@@ -43751,7 +43760,7 @@
                 </a:tc>
                 <a:extLst>
                   <a:ext uri="{0D108BD9-81ED-4DB2-BD59-A6C34878D82A}">
-                    <a16:rowId xmlns:a16="http://schemas.microsoft.com/office/drawing/2014/main" xmlns="" val="10000"/>
+                    <a16:rowId xmlns="" xmlns:a16="http://schemas.microsoft.com/office/drawing/2014/main" val="10000"/>
                   </a:ext>
                 </a:extLst>
               </a:tr>
@@ -44700,7 +44709,7 @@
                 </a:tc>
                 <a:extLst>
                   <a:ext uri="{0D108BD9-81ED-4DB2-BD59-A6C34878D82A}">
-                    <a16:rowId xmlns:a16="http://schemas.microsoft.com/office/drawing/2014/main" xmlns="" val="10001"/>
+                    <a16:rowId xmlns="" xmlns:a16="http://schemas.microsoft.com/office/drawing/2014/main" val="10001"/>
                   </a:ext>
                 </a:extLst>
               </a:tr>

--- a/MGMT/REPORT/PPT/WORK IN PROGRESS/3 RAM Project Presentation - Iter2.pptx
+++ b/MGMT/REPORT/PPT/WORK IN PROGRESS/3 RAM Project Presentation - Iter2.pptx
@@ -222,7 +222,7 @@
       </p14:sectionLst>
     </p:ext>
     <p:ext uri="{EFAFB233-063F-42B5-8137-9DF3F51BA10A}">
-      <p15:sldGuideLst xmlns="" xmlns:p15="http://schemas.microsoft.com/office/powerpoint/2012/main">
+      <p15:sldGuideLst xmlns:p15="http://schemas.microsoft.com/office/powerpoint/2012/main" xmlns="">
         <p15:guide id="1" orient="horz" pos="2160">
           <p15:clr>
             <a:srgbClr val="A4A3A4"/>
@@ -9321,6 +9321,25 @@
   <p:clrMapOvr>
     <a:masterClrMapping/>
   </p:clrMapOvr>
+  <mc:AlternateContent xmlns:mc="http://schemas.openxmlformats.org/markup-compatibility/2006">
+    <mc:Choice xmlns:p14="http://schemas.microsoft.com/office/powerpoint/2010/main" Requires="p14">
+      <p:transition p14:dur="100">
+        <p:cut/>
+      </p:transition>
+    </mc:Choice>
+    <mc:Fallback>
+      <p:transition>
+        <p:cut/>
+      </p:transition>
+    </mc:Fallback>
+  </mc:AlternateContent>
+  <p:timing>
+    <p:tnLst>
+      <p:par>
+        <p:cTn id="1" dur="indefinite" restart="never" nodeType="tmRoot"/>
+      </p:par>
+    </p:tnLst>
+  </p:timing>
 </p:sld>
 </file>
 
@@ -9781,13 +9800,13 @@
   <p:clrMapOvr>
     <a:masterClrMapping/>
   </p:clrMapOvr>
-  <mc:AlternateContent xmlns:mc="http://schemas.openxmlformats.org/markup-compatibility/2006" xmlns:p14="http://schemas.microsoft.com/office/powerpoint/2010/main">
-    <mc:Choice Requires="p14">
+  <mc:AlternateContent xmlns:mc="http://schemas.openxmlformats.org/markup-compatibility/2006">
+    <mc:Choice xmlns:p14="http://schemas.microsoft.com/office/powerpoint/2010/main" Requires="p14">
       <p:transition p14:dur="100">
         <p:cut/>
       </p:transition>
     </mc:Choice>
-    <mc:Fallback xmlns="">
+    <mc:Fallback>
       <p:transition>
         <p:cut/>
       </p:transition>
@@ -9861,14 +9880,14 @@
                 <a:gridCol w="3429000">
                   <a:extLst>
                     <a:ext uri="{9D8B030D-6E8A-4147-A177-3AD203B41FA5}">
-                      <a16:colId xmlns="" xmlns:a16="http://schemas.microsoft.com/office/drawing/2014/main" val="20000"/>
+                      <a16:colId xmlns:a16="http://schemas.microsoft.com/office/drawing/2014/main" xmlns="" val="20000"/>
                     </a:ext>
                   </a:extLst>
                 </a:gridCol>
                 <a:gridCol w="4572000">
                   <a:extLst>
                     <a:ext uri="{9D8B030D-6E8A-4147-A177-3AD203B41FA5}">
-                      <a16:colId xmlns="" xmlns:a16="http://schemas.microsoft.com/office/drawing/2014/main" val="20001"/>
+                      <a16:colId xmlns:a16="http://schemas.microsoft.com/office/drawing/2014/main" xmlns="" val="20001"/>
                     </a:ext>
                   </a:extLst>
                 </a:gridCol>
@@ -10008,7 +10027,7 @@
                 </a:tc>
                 <a:extLst>
                   <a:ext uri="{0D108BD9-81ED-4DB2-BD59-A6C34878D82A}">
-                    <a16:rowId xmlns="" xmlns:a16="http://schemas.microsoft.com/office/drawing/2014/main" val="10000"/>
+                    <a16:rowId xmlns:a16="http://schemas.microsoft.com/office/drawing/2014/main" xmlns="" val="10000"/>
                   </a:ext>
                 </a:extLst>
               </a:tr>
@@ -10292,7 +10311,7 @@
                 </a:tc>
                 <a:extLst>
                   <a:ext uri="{0D108BD9-81ED-4DB2-BD59-A6C34878D82A}">
-                    <a16:rowId xmlns="" xmlns:a16="http://schemas.microsoft.com/office/drawing/2014/main" val="10001"/>
+                    <a16:rowId xmlns:a16="http://schemas.microsoft.com/office/drawing/2014/main" xmlns="" val="10001"/>
                   </a:ext>
                 </a:extLst>
               </a:tr>
@@ -10563,7 +10582,7 @@
                 </a:tc>
                 <a:extLst>
                   <a:ext uri="{0D108BD9-81ED-4DB2-BD59-A6C34878D82A}">
-                    <a16:rowId xmlns="" xmlns:a16="http://schemas.microsoft.com/office/drawing/2014/main" val="10002"/>
+                    <a16:rowId xmlns:a16="http://schemas.microsoft.com/office/drawing/2014/main" xmlns="" val="10002"/>
                   </a:ext>
                 </a:extLst>
               </a:tr>
@@ -10845,7 +10864,7 @@
                 </a:tc>
                 <a:extLst>
                   <a:ext uri="{0D108BD9-81ED-4DB2-BD59-A6C34878D82A}">
-                    <a16:rowId xmlns="" xmlns:a16="http://schemas.microsoft.com/office/drawing/2014/main" val="10003"/>
+                    <a16:rowId xmlns:a16="http://schemas.microsoft.com/office/drawing/2014/main" xmlns="" val="10003"/>
                   </a:ext>
                 </a:extLst>
               </a:tr>
@@ -10940,13 +10959,13 @@
   <p:clrMapOvr>
     <a:masterClrMapping/>
   </p:clrMapOvr>
-  <mc:AlternateContent xmlns:mc="http://schemas.openxmlformats.org/markup-compatibility/2006" xmlns:p14="http://schemas.microsoft.com/office/powerpoint/2010/main">
-    <mc:Choice Requires="p14">
+  <mc:AlternateContent xmlns:mc="http://schemas.openxmlformats.org/markup-compatibility/2006">
+    <mc:Choice xmlns:p14="http://schemas.microsoft.com/office/powerpoint/2010/main" Requires="p14">
       <p:transition p14:dur="100">
         <p:cut/>
       </p:transition>
     </mc:Choice>
-    <mc:Fallback xmlns="">
+    <mc:Fallback>
       <p:transition>
         <p:cut/>
       </p:transition>
@@ -11170,98 +11189,98 @@
                 <a:gridCol w="836012">
                   <a:extLst>
                     <a:ext uri="{9D8B030D-6E8A-4147-A177-3AD203B41FA5}">
-                      <a16:colId xmlns="" xmlns:a16="http://schemas.microsoft.com/office/drawing/2014/main" val="20000"/>
+                      <a16:colId xmlns:a16="http://schemas.microsoft.com/office/drawing/2014/main" xmlns="" val="20000"/>
                     </a:ext>
                   </a:extLst>
                 </a:gridCol>
                 <a:gridCol w="658464">
                   <a:extLst>
                     <a:ext uri="{9D8B030D-6E8A-4147-A177-3AD203B41FA5}">
-                      <a16:colId xmlns="" xmlns:a16="http://schemas.microsoft.com/office/drawing/2014/main" val="20001"/>
+                      <a16:colId xmlns:a16="http://schemas.microsoft.com/office/drawing/2014/main" xmlns="" val="20001"/>
                     </a:ext>
                   </a:extLst>
                 </a:gridCol>
                 <a:gridCol w="658464">
                   <a:extLst>
                     <a:ext uri="{9D8B030D-6E8A-4147-A177-3AD203B41FA5}">
-                      <a16:colId xmlns="" xmlns:a16="http://schemas.microsoft.com/office/drawing/2014/main" val="20002"/>
+                      <a16:colId xmlns:a16="http://schemas.microsoft.com/office/drawing/2014/main" xmlns="" val="20002"/>
                     </a:ext>
                   </a:extLst>
                 </a:gridCol>
                 <a:gridCol w="583210">
                   <a:extLst>
                     <a:ext uri="{9D8B030D-6E8A-4147-A177-3AD203B41FA5}">
-                      <a16:colId xmlns="" xmlns:a16="http://schemas.microsoft.com/office/drawing/2014/main" val="20003"/>
+                      <a16:colId xmlns:a16="http://schemas.microsoft.com/office/drawing/2014/main" xmlns="" val="20003"/>
                     </a:ext>
                   </a:extLst>
                 </a:gridCol>
                 <a:gridCol w="659820">
                   <a:extLst>
                     <a:ext uri="{9D8B030D-6E8A-4147-A177-3AD203B41FA5}">
-                      <a16:colId xmlns="" xmlns:a16="http://schemas.microsoft.com/office/drawing/2014/main" val="20004"/>
+                      <a16:colId xmlns:a16="http://schemas.microsoft.com/office/drawing/2014/main" xmlns="" val="20004"/>
                     </a:ext>
                   </a:extLst>
                 </a:gridCol>
                 <a:gridCol w="522114">
                   <a:extLst>
                     <a:ext uri="{9D8B030D-6E8A-4147-A177-3AD203B41FA5}">
-                      <a16:colId xmlns="" xmlns:a16="http://schemas.microsoft.com/office/drawing/2014/main" val="20005"/>
+                      <a16:colId xmlns:a16="http://schemas.microsoft.com/office/drawing/2014/main" xmlns="" val="20005"/>
                     </a:ext>
                   </a:extLst>
                 </a:gridCol>
                 <a:gridCol w="568576">
                   <a:extLst>
                     <a:ext uri="{9D8B030D-6E8A-4147-A177-3AD203B41FA5}">
-                      <a16:colId xmlns="" xmlns:a16="http://schemas.microsoft.com/office/drawing/2014/main" val="20006"/>
+                      <a16:colId xmlns:a16="http://schemas.microsoft.com/office/drawing/2014/main" xmlns="" val="20006"/>
                     </a:ext>
                   </a:extLst>
                 </a:gridCol>
                 <a:gridCol w="652881">
                   <a:extLst>
                     <a:ext uri="{9D8B030D-6E8A-4147-A177-3AD203B41FA5}">
-                      <a16:colId xmlns="" xmlns:a16="http://schemas.microsoft.com/office/drawing/2014/main" val="20007"/>
+                      <a16:colId xmlns:a16="http://schemas.microsoft.com/office/drawing/2014/main" xmlns="" val="20007"/>
                     </a:ext>
                   </a:extLst>
                 </a:gridCol>
                 <a:gridCol w="712342">
                   <a:extLst>
                     <a:ext uri="{9D8B030D-6E8A-4147-A177-3AD203B41FA5}">
-                      <a16:colId xmlns="" xmlns:a16="http://schemas.microsoft.com/office/drawing/2014/main" val="20008"/>
+                      <a16:colId xmlns:a16="http://schemas.microsoft.com/office/drawing/2014/main" xmlns="" val="20008"/>
                     </a:ext>
                   </a:extLst>
                 </a:gridCol>
                 <a:gridCol w="516117">
                   <a:extLst>
                     <a:ext uri="{9D8B030D-6E8A-4147-A177-3AD203B41FA5}">
-                      <a16:colId xmlns="" xmlns:a16="http://schemas.microsoft.com/office/drawing/2014/main" val="20009"/>
+                      <a16:colId xmlns:a16="http://schemas.microsoft.com/office/drawing/2014/main" xmlns="" val="20009"/>
                     </a:ext>
                   </a:extLst>
                 </a:gridCol>
                 <a:gridCol w="516117">
                   <a:extLst>
                     <a:ext uri="{9D8B030D-6E8A-4147-A177-3AD203B41FA5}">
-                      <a16:colId xmlns="" xmlns:a16="http://schemas.microsoft.com/office/drawing/2014/main" val="20010"/>
+                      <a16:colId xmlns:a16="http://schemas.microsoft.com/office/drawing/2014/main" xmlns="" val="20010"/>
                     </a:ext>
                   </a:extLst>
                 </a:gridCol>
                 <a:gridCol w="516117">
                   <a:extLst>
                     <a:ext uri="{9D8B030D-6E8A-4147-A177-3AD203B41FA5}">
-                      <a16:colId xmlns="" xmlns:a16="http://schemas.microsoft.com/office/drawing/2014/main" val="20011"/>
+                      <a16:colId xmlns:a16="http://schemas.microsoft.com/office/drawing/2014/main" xmlns="" val="20011"/>
                     </a:ext>
                   </a:extLst>
                 </a:gridCol>
                 <a:gridCol w="516117">
                   <a:extLst>
                     <a:ext uri="{9D8B030D-6E8A-4147-A177-3AD203B41FA5}">
-                      <a16:colId xmlns="" xmlns:a16="http://schemas.microsoft.com/office/drawing/2014/main" val="20012"/>
+                      <a16:colId xmlns:a16="http://schemas.microsoft.com/office/drawing/2014/main" xmlns="" val="20012"/>
                     </a:ext>
                   </a:extLst>
                 </a:gridCol>
                 <a:gridCol w="503750">
                   <a:extLst>
                     <a:ext uri="{9D8B030D-6E8A-4147-A177-3AD203B41FA5}">
-                      <a16:colId xmlns="" xmlns:a16="http://schemas.microsoft.com/office/drawing/2014/main" val="20013"/>
+                      <a16:colId xmlns:a16="http://schemas.microsoft.com/office/drawing/2014/main" xmlns="" val="20013"/>
                     </a:ext>
                   </a:extLst>
                 </a:gridCol>
@@ -12561,7 +12580,7 @@
                 </a:tc>
                 <a:extLst>
                   <a:ext uri="{0D108BD9-81ED-4DB2-BD59-A6C34878D82A}">
-                    <a16:rowId xmlns="" xmlns:a16="http://schemas.microsoft.com/office/drawing/2014/main" val="10000"/>
+                    <a16:rowId xmlns:a16="http://schemas.microsoft.com/office/drawing/2014/main" xmlns="" val="10000"/>
                   </a:ext>
                 </a:extLst>
               </a:tr>
@@ -13671,7 +13690,7 @@
                 </a:tc>
                 <a:extLst>
                   <a:ext uri="{0D108BD9-81ED-4DB2-BD59-A6C34878D82A}">
-                    <a16:rowId xmlns="" xmlns:a16="http://schemas.microsoft.com/office/drawing/2014/main" val="10001"/>
+                    <a16:rowId xmlns:a16="http://schemas.microsoft.com/office/drawing/2014/main" xmlns="" val="10001"/>
                   </a:ext>
                 </a:extLst>
               </a:tr>
@@ -14830,7 +14849,7 @@
                 </a:tc>
                 <a:extLst>
                   <a:ext uri="{0D108BD9-81ED-4DB2-BD59-A6C34878D82A}">
-                    <a16:rowId xmlns="" xmlns:a16="http://schemas.microsoft.com/office/drawing/2014/main" val="10002"/>
+                    <a16:rowId xmlns:a16="http://schemas.microsoft.com/office/drawing/2014/main" xmlns="" val="10002"/>
                   </a:ext>
                 </a:extLst>
               </a:tr>
@@ -16015,7 +16034,7 @@
                 </a:tc>
                 <a:extLst>
                   <a:ext uri="{0D108BD9-81ED-4DB2-BD59-A6C34878D82A}">
-                    <a16:rowId xmlns="" xmlns:a16="http://schemas.microsoft.com/office/drawing/2014/main" val="10003"/>
+                    <a16:rowId xmlns:a16="http://schemas.microsoft.com/office/drawing/2014/main" xmlns="" val="10003"/>
                   </a:ext>
                 </a:extLst>
               </a:tr>
@@ -17341,13 +17360,13 @@
   <p:clrMapOvr>
     <a:masterClrMapping/>
   </p:clrMapOvr>
-  <mc:AlternateContent xmlns:mc="http://schemas.openxmlformats.org/markup-compatibility/2006" xmlns:p14="http://schemas.microsoft.com/office/powerpoint/2010/main">
-    <mc:Choice Requires="p14">
+  <mc:AlternateContent xmlns:mc="http://schemas.openxmlformats.org/markup-compatibility/2006">
+    <mc:Choice xmlns:p14="http://schemas.microsoft.com/office/powerpoint/2010/main" Requires="p14">
       <p:transition p14:dur="100">
         <p:cut/>
       </p:transition>
     </mc:Choice>
-    <mc:Fallback xmlns="">
+    <mc:Fallback>
       <p:transition>
         <p:cut/>
       </p:transition>
@@ -17461,13 +17480,13 @@
   <p:clrMapOvr>
     <a:masterClrMapping/>
   </p:clrMapOvr>
-  <mc:AlternateContent xmlns:mc="http://schemas.openxmlformats.org/markup-compatibility/2006" xmlns:p14="http://schemas.microsoft.com/office/powerpoint/2010/main">
-    <mc:Choice Requires="p14">
+  <mc:AlternateContent xmlns:mc="http://schemas.openxmlformats.org/markup-compatibility/2006">
+    <mc:Choice xmlns:p14="http://schemas.microsoft.com/office/powerpoint/2010/main" Requires="p14">
       <p:transition p14:dur="100">
         <p:cut/>
       </p:transition>
     </mc:Choice>
-    <mc:Fallback xmlns="">
+    <mc:Fallback>
       <p:transition>
         <p:cut/>
       </p:transition>
@@ -17630,13 +17649,13 @@
   <p:clrMapOvr>
     <a:masterClrMapping/>
   </p:clrMapOvr>
-  <mc:AlternateContent xmlns:mc="http://schemas.openxmlformats.org/markup-compatibility/2006" xmlns:p14="http://schemas.microsoft.com/office/powerpoint/2010/main">
-    <mc:Choice Requires="p14">
+  <mc:AlternateContent xmlns:mc="http://schemas.openxmlformats.org/markup-compatibility/2006">
+    <mc:Choice xmlns:p14="http://schemas.microsoft.com/office/powerpoint/2010/main" Requires="p14">
       <p:transition p14:dur="100">
         <p:cut/>
       </p:transition>
     </mc:Choice>
-    <mc:Fallback xmlns="">
+    <mc:Fallback>
       <p:transition>
         <p:cut/>
       </p:transition>
@@ -17703,7 +17722,7 @@
           <p:cNvPr id="4" name="Picture 3">
             <a:extLst>
               <a:ext uri="{FF2B5EF4-FFF2-40B4-BE49-F238E27FC236}">
-                <a16:creationId xmlns="" xmlns:a16="http://schemas.microsoft.com/office/drawing/2014/main" id="{80DDD273-BB4F-4567-9A92-50656E421E3E}"/>
+                <a16:creationId xmlns:a16="http://schemas.microsoft.com/office/drawing/2014/main" xmlns="" id="{80DDD273-BB4F-4567-9A92-50656E421E3E}"/>
               </a:ext>
             </a:extLst>
           </p:cNvPr>
@@ -17744,6 +17763,18 @@
   <p:clrMapOvr>
     <a:masterClrMapping/>
   </p:clrMapOvr>
+  <mc:AlternateContent xmlns:mc="http://schemas.openxmlformats.org/markup-compatibility/2006">
+    <mc:Choice xmlns:p14="http://schemas.microsoft.com/office/powerpoint/2010/main" Requires="p14">
+      <p:transition p14:dur="100">
+        <p:cut/>
+      </p:transition>
+    </mc:Choice>
+    <mc:Fallback>
+      <p:transition>
+        <p:cut/>
+      </p:transition>
+    </mc:Fallback>
+  </mc:AlternateContent>
 </p:sld>
 </file>
 
@@ -18051,13 +18082,13 @@
   <p:clrMapOvr>
     <a:masterClrMapping/>
   </p:clrMapOvr>
-  <mc:AlternateContent xmlns:mc="http://schemas.openxmlformats.org/markup-compatibility/2006" xmlns:p14="http://schemas.microsoft.com/office/powerpoint/2010/main">
-    <mc:Choice Requires="p14">
+  <mc:AlternateContent xmlns:mc="http://schemas.openxmlformats.org/markup-compatibility/2006">
+    <mc:Choice xmlns:p14="http://schemas.microsoft.com/office/powerpoint/2010/main" Requires="p14">
       <p:transition p14:dur="100">
         <p:cut/>
       </p:transition>
     </mc:Choice>
-    <mc:Fallback xmlns="">
+    <mc:Fallback>
       <p:transition>
         <p:cut/>
       </p:transition>
@@ -18110,7 +18141,7 @@
           <p:cNvPr id="12" name="Picture 11">
             <a:extLst>
               <a:ext uri="{FF2B5EF4-FFF2-40B4-BE49-F238E27FC236}">
-                <a16:creationId xmlns="" xmlns:a16="http://schemas.microsoft.com/office/drawing/2014/main" id="{E7BA807A-7794-4A66-8E13-0D400AA93672}"/>
+                <a16:creationId xmlns:a16="http://schemas.microsoft.com/office/drawing/2014/main" xmlns="" id="{E7BA807A-7794-4A66-8E13-0D400AA93672}"/>
               </a:ext>
             </a:extLst>
           </p:cNvPr>
@@ -18151,13 +18182,13 @@
   <p:clrMapOvr>
     <a:masterClrMapping/>
   </p:clrMapOvr>
-  <mc:AlternateContent xmlns:mc="http://schemas.openxmlformats.org/markup-compatibility/2006" xmlns:p14="http://schemas.microsoft.com/office/powerpoint/2010/main">
-    <mc:Choice Requires="p14">
+  <mc:AlternateContent xmlns:mc="http://schemas.openxmlformats.org/markup-compatibility/2006">
+    <mc:Choice xmlns:p14="http://schemas.microsoft.com/office/powerpoint/2010/main" Requires="p14">
       <p:transition p14:dur="100">
         <p:cut/>
       </p:transition>
     </mc:Choice>
-    <mc:Fallback xmlns="">
+    <mc:Fallback>
       <p:transition>
         <p:cut/>
       </p:transition>
@@ -18188,7 +18219,7 @@
           <p:cNvPr id="2" name="Title 1">
             <a:extLst>
               <a:ext uri="{FF2B5EF4-FFF2-40B4-BE49-F238E27FC236}">
-                <a16:creationId xmlns="" xmlns:a16="http://schemas.microsoft.com/office/drawing/2014/main" id="{5F54A1A6-C960-6048-A140-A440F1897D64}"/>
+                <a16:creationId xmlns:a16="http://schemas.microsoft.com/office/drawing/2014/main" xmlns="" id="{5F54A1A6-C960-6048-A140-A440F1897D64}"/>
               </a:ext>
             </a:extLst>
           </p:cNvPr>
@@ -18216,7 +18247,7 @@
           <p:cNvPr id="4" name="Table 3">
             <a:extLst>
               <a:ext uri="{FF2B5EF4-FFF2-40B4-BE49-F238E27FC236}">
-                <a16:creationId xmlns="" xmlns:a16="http://schemas.microsoft.com/office/drawing/2014/main" id="{9277983F-139B-E044-8732-034D09CC3893}"/>
+                <a16:creationId xmlns:a16="http://schemas.microsoft.com/office/drawing/2014/main" xmlns="" id="{9277983F-139B-E044-8732-034D09CC3893}"/>
               </a:ext>
             </a:extLst>
           </p:cNvPr>
@@ -18245,14 +18276,14 @@
                 <a:gridCol w="1697420">
                   <a:extLst>
                     <a:ext uri="{9D8B030D-6E8A-4147-A177-3AD203B41FA5}">
-                      <a16:colId xmlns="" xmlns:a16="http://schemas.microsoft.com/office/drawing/2014/main" val="2784464853"/>
+                      <a16:colId xmlns:a16="http://schemas.microsoft.com/office/drawing/2014/main" xmlns="" val="2784464853"/>
                     </a:ext>
                   </a:extLst>
                 </a:gridCol>
                 <a:gridCol w="6477000">
                   <a:extLst>
                     <a:ext uri="{9D8B030D-6E8A-4147-A177-3AD203B41FA5}">
-                      <a16:colId xmlns="" xmlns:a16="http://schemas.microsoft.com/office/drawing/2014/main" val="1436987824"/>
+                      <a16:colId xmlns:a16="http://schemas.microsoft.com/office/drawing/2014/main" xmlns="" val="1436987824"/>
                     </a:ext>
                   </a:extLst>
                 </a:gridCol>
@@ -18347,7 +18378,7 @@
                 </a:tc>
                 <a:extLst>
                   <a:ext uri="{0D108BD9-81ED-4DB2-BD59-A6C34878D82A}">
-                    <a16:rowId xmlns="" xmlns:a16="http://schemas.microsoft.com/office/drawing/2014/main" val="606336718"/>
+                    <a16:rowId xmlns:a16="http://schemas.microsoft.com/office/drawing/2014/main" xmlns="" val="606336718"/>
                   </a:ext>
                 </a:extLst>
               </a:tr>
@@ -18437,7 +18468,7 @@
                 </a:tc>
                 <a:extLst>
                   <a:ext uri="{0D108BD9-81ED-4DB2-BD59-A6C34878D82A}">
-                    <a16:rowId xmlns="" xmlns:a16="http://schemas.microsoft.com/office/drawing/2014/main" val="1851504393"/>
+                    <a16:rowId xmlns:a16="http://schemas.microsoft.com/office/drawing/2014/main" xmlns="" val="1851504393"/>
                   </a:ext>
                 </a:extLst>
               </a:tr>
@@ -18514,7 +18545,7 @@
                 </a:tc>
                 <a:extLst>
                   <a:ext uri="{0D108BD9-81ED-4DB2-BD59-A6C34878D82A}">
-                    <a16:rowId xmlns="" xmlns:a16="http://schemas.microsoft.com/office/drawing/2014/main" val="2322105400"/>
+                    <a16:rowId xmlns:a16="http://schemas.microsoft.com/office/drawing/2014/main" xmlns="" val="2322105400"/>
                   </a:ext>
                 </a:extLst>
               </a:tr>
@@ -18532,6 +18563,18 @@
   <p:clrMapOvr>
     <a:masterClrMapping/>
   </p:clrMapOvr>
+  <mc:AlternateContent xmlns:mc="http://schemas.openxmlformats.org/markup-compatibility/2006">
+    <mc:Choice xmlns:p14="http://schemas.microsoft.com/office/powerpoint/2010/main" Requires="p14">
+      <p:transition p14:dur="100">
+        <p:cut/>
+      </p:transition>
+    </mc:Choice>
+    <mc:Fallback>
+      <p:transition>
+        <p:cut/>
+      </p:transition>
+    </mc:Fallback>
+  </mc:AlternateContent>
 </p:sld>
 </file>
 
@@ -18557,7 +18600,7 @@
           <p:cNvPr id="2" name="Title 1">
             <a:extLst>
               <a:ext uri="{FF2B5EF4-FFF2-40B4-BE49-F238E27FC236}">
-                <a16:creationId xmlns="" xmlns:a16="http://schemas.microsoft.com/office/drawing/2014/main" id="{35526A51-D88D-E043-9066-F2FB0651D7AD}"/>
+                <a16:creationId xmlns:a16="http://schemas.microsoft.com/office/drawing/2014/main" xmlns="" id="{35526A51-D88D-E043-9066-F2FB0651D7AD}"/>
               </a:ext>
             </a:extLst>
           </p:cNvPr>
@@ -18585,7 +18628,7 @@
           <p:cNvPr id="7" name="Picture 6">
             <a:extLst>
               <a:ext uri="{FF2B5EF4-FFF2-40B4-BE49-F238E27FC236}">
-                <a16:creationId xmlns="" xmlns:a16="http://schemas.microsoft.com/office/drawing/2014/main" id="{A2975878-0D71-D340-8773-BA3E62078290}"/>
+                <a16:creationId xmlns:a16="http://schemas.microsoft.com/office/drawing/2014/main" xmlns="" id="{A2975878-0D71-D340-8773-BA3E62078290}"/>
               </a:ext>
             </a:extLst>
           </p:cNvPr>
@@ -18626,6 +18669,18 @@
   <p:clrMapOvr>
     <a:masterClrMapping/>
   </p:clrMapOvr>
+  <mc:AlternateContent xmlns:mc="http://schemas.openxmlformats.org/markup-compatibility/2006">
+    <mc:Choice xmlns:p14="http://schemas.microsoft.com/office/powerpoint/2010/main" Requires="p14">
+      <p:transition p14:dur="100">
+        <p:cut/>
+      </p:transition>
+    </mc:Choice>
+    <mc:Fallback>
+      <p:transition>
+        <p:cut/>
+      </p:transition>
+    </mc:Fallback>
+  </mc:AlternateContent>
 </p:sld>
 </file>
 
@@ -19101,13 +19156,13 @@
   <p:clrMapOvr>
     <a:masterClrMapping/>
   </p:clrMapOvr>
-  <mc:AlternateContent xmlns:mc="http://schemas.openxmlformats.org/markup-compatibility/2006" xmlns:p14="http://schemas.microsoft.com/office/powerpoint/2010/main">
-    <mc:Choice Requires="p14">
+  <mc:AlternateContent xmlns:mc="http://schemas.openxmlformats.org/markup-compatibility/2006">
+    <mc:Choice xmlns:p14="http://schemas.microsoft.com/office/powerpoint/2010/main" Requires="p14">
       <p:transition p14:dur="100">
         <p:cut/>
       </p:transition>
     </mc:Choice>
-    <mc:Fallback xmlns="">
+    <mc:Fallback>
       <p:transition>
         <p:cut/>
       </p:transition>
@@ -19138,7 +19193,7 @@
           <p:cNvPr id="2" name="Title 1">
             <a:extLst>
               <a:ext uri="{FF2B5EF4-FFF2-40B4-BE49-F238E27FC236}">
-                <a16:creationId xmlns="" xmlns:a16="http://schemas.microsoft.com/office/drawing/2014/main" id="{D2D79758-F76E-D845-877F-D6F7A67AB4F6}"/>
+                <a16:creationId xmlns:a16="http://schemas.microsoft.com/office/drawing/2014/main" xmlns="" id="{D2D79758-F76E-D845-877F-D6F7A67AB4F6}"/>
               </a:ext>
             </a:extLst>
           </p:cNvPr>
@@ -19166,7 +19221,7 @@
           <p:cNvPr id="5" name="Table 4">
             <a:extLst>
               <a:ext uri="{FF2B5EF4-FFF2-40B4-BE49-F238E27FC236}">
-                <a16:creationId xmlns="" xmlns:a16="http://schemas.microsoft.com/office/drawing/2014/main" id="{EAF5B722-8014-DC43-B944-E751E589902B}"/>
+                <a16:creationId xmlns:a16="http://schemas.microsoft.com/office/drawing/2014/main" xmlns="" id="{EAF5B722-8014-DC43-B944-E751E589902B}"/>
               </a:ext>
             </a:extLst>
           </p:cNvPr>
@@ -19195,21 +19250,21 @@
                 <a:gridCol w="1752600">
                   <a:extLst>
                     <a:ext uri="{9D8B030D-6E8A-4147-A177-3AD203B41FA5}">
-                      <a16:colId xmlns="" xmlns:a16="http://schemas.microsoft.com/office/drawing/2014/main" val="1983080510"/>
+                      <a16:colId xmlns:a16="http://schemas.microsoft.com/office/drawing/2014/main" xmlns="" val="1983080510"/>
                     </a:ext>
                   </a:extLst>
                 </a:gridCol>
                 <a:gridCol w="2895600">
                   <a:extLst>
                     <a:ext uri="{9D8B030D-6E8A-4147-A177-3AD203B41FA5}">
-                      <a16:colId xmlns="" xmlns:a16="http://schemas.microsoft.com/office/drawing/2014/main" val="3426383098"/>
+                      <a16:colId xmlns:a16="http://schemas.microsoft.com/office/drawing/2014/main" xmlns="" val="3426383098"/>
                     </a:ext>
                   </a:extLst>
                 </a:gridCol>
                 <a:gridCol w="4191000">
                   <a:extLst>
                     <a:ext uri="{9D8B030D-6E8A-4147-A177-3AD203B41FA5}">
-                      <a16:colId xmlns="" xmlns:a16="http://schemas.microsoft.com/office/drawing/2014/main" val="4229687042"/>
+                      <a16:colId xmlns:a16="http://schemas.microsoft.com/office/drawing/2014/main" xmlns="" val="4229687042"/>
                     </a:ext>
                   </a:extLst>
                 </a:gridCol>
@@ -19256,7 +19311,7 @@
                 </a:tc>
                 <a:extLst>
                   <a:ext uri="{0D108BD9-81ED-4DB2-BD59-A6C34878D82A}">
-                    <a16:rowId xmlns="" xmlns:a16="http://schemas.microsoft.com/office/drawing/2014/main" val="3890306993"/>
+                    <a16:rowId xmlns:a16="http://schemas.microsoft.com/office/drawing/2014/main" xmlns="" val="3890306993"/>
                   </a:ext>
                 </a:extLst>
               </a:tr>
@@ -19302,7 +19357,7 @@
                 </a:tc>
                 <a:extLst>
                   <a:ext uri="{0D108BD9-81ED-4DB2-BD59-A6C34878D82A}">
-                    <a16:rowId xmlns="" xmlns:a16="http://schemas.microsoft.com/office/drawing/2014/main" val="3070450556"/>
+                    <a16:rowId xmlns:a16="http://schemas.microsoft.com/office/drawing/2014/main" xmlns="" val="3070450556"/>
                   </a:ext>
                 </a:extLst>
               </a:tr>
@@ -19348,7 +19403,7 @@
                 </a:tc>
                 <a:extLst>
                   <a:ext uri="{0D108BD9-81ED-4DB2-BD59-A6C34878D82A}">
-                    <a16:rowId xmlns="" xmlns:a16="http://schemas.microsoft.com/office/drawing/2014/main" val="934903728"/>
+                    <a16:rowId xmlns:a16="http://schemas.microsoft.com/office/drawing/2014/main" xmlns="" val="934903728"/>
                   </a:ext>
                 </a:extLst>
               </a:tr>
@@ -19391,7 +19446,7 @@
                 </a:tc>
                 <a:extLst>
                   <a:ext uri="{0D108BD9-81ED-4DB2-BD59-A6C34878D82A}">
-                    <a16:rowId xmlns="" xmlns:a16="http://schemas.microsoft.com/office/drawing/2014/main" val="586478244"/>
+                    <a16:rowId xmlns:a16="http://schemas.microsoft.com/office/drawing/2014/main" xmlns="" val="586478244"/>
                   </a:ext>
                 </a:extLst>
               </a:tr>
@@ -19434,7 +19489,7 @@
                 </a:tc>
                 <a:extLst>
                   <a:ext uri="{0D108BD9-81ED-4DB2-BD59-A6C34878D82A}">
-                    <a16:rowId xmlns="" xmlns:a16="http://schemas.microsoft.com/office/drawing/2014/main" val="2381451743"/>
+                    <a16:rowId xmlns:a16="http://schemas.microsoft.com/office/drawing/2014/main" xmlns="" val="2381451743"/>
                   </a:ext>
                 </a:extLst>
               </a:tr>
@@ -19477,7 +19532,7 @@
                 </a:tc>
                 <a:extLst>
                   <a:ext uri="{0D108BD9-81ED-4DB2-BD59-A6C34878D82A}">
-                    <a16:rowId xmlns="" xmlns:a16="http://schemas.microsoft.com/office/drawing/2014/main" val="2593205769"/>
+                    <a16:rowId xmlns:a16="http://schemas.microsoft.com/office/drawing/2014/main" xmlns="" val="2593205769"/>
                   </a:ext>
                 </a:extLst>
               </a:tr>
@@ -19537,7 +19592,7 @@
                 </a:tc>
                 <a:extLst>
                   <a:ext uri="{0D108BD9-81ED-4DB2-BD59-A6C34878D82A}">
-                    <a16:rowId xmlns="" xmlns:a16="http://schemas.microsoft.com/office/drawing/2014/main" val="1855504840"/>
+                    <a16:rowId xmlns:a16="http://schemas.microsoft.com/office/drawing/2014/main" xmlns="" val="1855504840"/>
                   </a:ext>
                 </a:extLst>
               </a:tr>
@@ -19600,7 +19655,7 @@
                 </a:tc>
                 <a:extLst>
                   <a:ext uri="{0D108BD9-81ED-4DB2-BD59-A6C34878D82A}">
-                    <a16:rowId xmlns="" xmlns:a16="http://schemas.microsoft.com/office/drawing/2014/main" val="220037106"/>
+                    <a16:rowId xmlns:a16="http://schemas.microsoft.com/office/drawing/2014/main" xmlns="" val="220037106"/>
                   </a:ext>
                 </a:extLst>
               </a:tr>
@@ -19660,7 +19715,7 @@
                 </a:tc>
                 <a:extLst>
                   <a:ext uri="{0D108BD9-81ED-4DB2-BD59-A6C34878D82A}">
-                    <a16:rowId xmlns="" xmlns:a16="http://schemas.microsoft.com/office/drawing/2014/main" val="4097870118"/>
+                    <a16:rowId xmlns:a16="http://schemas.microsoft.com/office/drawing/2014/main" xmlns="" val="4097870118"/>
                   </a:ext>
                 </a:extLst>
               </a:tr>
@@ -19678,6 +19733,18 @@
   <p:clrMapOvr>
     <a:masterClrMapping/>
   </p:clrMapOvr>
+  <mc:AlternateContent xmlns:mc="http://schemas.openxmlformats.org/markup-compatibility/2006">
+    <mc:Choice xmlns:p14="http://schemas.microsoft.com/office/powerpoint/2010/main" Requires="p14">
+      <p:transition p14:dur="100">
+        <p:cut/>
+      </p:transition>
+    </mc:Choice>
+    <mc:Fallback>
+      <p:transition>
+        <p:cut/>
+      </p:transition>
+    </mc:Fallback>
+  </mc:AlternateContent>
 </p:sld>
 </file>
 
@@ -19703,7 +19770,7 @@
           <p:cNvPr id="2" name="Title 1">
             <a:extLst>
               <a:ext uri="{FF2B5EF4-FFF2-40B4-BE49-F238E27FC236}">
-                <a16:creationId xmlns="" xmlns:a16="http://schemas.microsoft.com/office/drawing/2014/main" id="{CCE6B2D2-14A2-174D-90CE-122FF1316D55}"/>
+                <a16:creationId xmlns:a16="http://schemas.microsoft.com/office/drawing/2014/main" xmlns="" id="{CCE6B2D2-14A2-174D-90CE-122FF1316D55}"/>
               </a:ext>
             </a:extLst>
           </p:cNvPr>
@@ -19731,7 +19798,7 @@
           <p:cNvPr id="3" name="Content Placeholder 2">
             <a:extLst>
               <a:ext uri="{FF2B5EF4-FFF2-40B4-BE49-F238E27FC236}">
-                <a16:creationId xmlns="" xmlns:a16="http://schemas.microsoft.com/office/drawing/2014/main" id="{4717B95D-26C3-0345-810D-89E32340FA1F}"/>
+                <a16:creationId xmlns:a16="http://schemas.microsoft.com/office/drawing/2014/main" xmlns="" id="{4717B95D-26C3-0345-810D-89E32340FA1F}"/>
               </a:ext>
             </a:extLst>
           </p:cNvPr>
@@ -19811,6 +19878,18 @@
   <p:clrMapOvr>
     <a:masterClrMapping/>
   </p:clrMapOvr>
+  <mc:AlternateContent xmlns:mc="http://schemas.openxmlformats.org/markup-compatibility/2006">
+    <mc:Choice xmlns:p14="http://schemas.microsoft.com/office/powerpoint/2010/main" Requires="p14">
+      <p:transition p14:dur="100">
+        <p:cut/>
+      </p:transition>
+    </mc:Choice>
+    <mc:Fallback>
+      <p:transition>
+        <p:cut/>
+      </p:transition>
+    </mc:Fallback>
+  </mc:AlternateContent>
 </p:sld>
 </file>
 
@@ -19836,7 +19915,7 @@
           <p:cNvPr id="2" name="Title 1">
             <a:extLst>
               <a:ext uri="{FF2B5EF4-FFF2-40B4-BE49-F238E27FC236}">
-                <a16:creationId xmlns="" xmlns:a16="http://schemas.microsoft.com/office/drawing/2014/main" id="{05D68E41-537D-45C3-B1BB-A379ECEF31C4}"/>
+                <a16:creationId xmlns:a16="http://schemas.microsoft.com/office/drawing/2014/main" xmlns="" id="{05D68E41-537D-45C3-B1BB-A379ECEF31C4}"/>
               </a:ext>
             </a:extLst>
           </p:cNvPr>
@@ -19864,7 +19943,7 @@
           <p:cNvPr id="3" name="Content Placeholder 2">
             <a:extLst>
               <a:ext uri="{FF2B5EF4-FFF2-40B4-BE49-F238E27FC236}">
-                <a16:creationId xmlns="" xmlns:a16="http://schemas.microsoft.com/office/drawing/2014/main" id="{5C46B23A-600C-411F-B65B-331673BB212B}"/>
+                <a16:creationId xmlns:a16="http://schemas.microsoft.com/office/drawing/2014/main" xmlns="" id="{5C46B23A-600C-411F-B65B-331673BB212B}"/>
               </a:ext>
             </a:extLst>
           </p:cNvPr>
@@ -19917,6 +19996,18 @@
   <p:clrMapOvr>
     <a:masterClrMapping/>
   </p:clrMapOvr>
+  <mc:AlternateContent xmlns:mc="http://schemas.openxmlformats.org/markup-compatibility/2006">
+    <mc:Choice xmlns:p14="http://schemas.microsoft.com/office/powerpoint/2010/main" Requires="p14">
+      <p:transition p14:dur="100">
+        <p:cut/>
+      </p:transition>
+    </mc:Choice>
+    <mc:Fallback>
+      <p:transition>
+        <p:cut/>
+      </p:transition>
+    </mc:Fallback>
+  </mc:AlternateContent>
 </p:sld>
 </file>
 
@@ -20040,12 +20131,12 @@
           <a:graphicData uri="http://schemas.openxmlformats.org/presentationml/2006/ole">
             <mc:AlternateContent xmlns:mc="http://schemas.openxmlformats.org/markup-compatibility/2006">
               <mc:Choice xmlns:v="urn:schemas-microsoft-com:vml" Requires="v">
-                <p:oleObj spid="_x0000_s3153" name="Worksheet" showAsIcon="1" r:id="rId5" imgW="914400" imgH="771480" progId="Excel.Sheet.12">
+                <p:oleObj spid="_x0000_s3155" name="Worksheet" showAsIcon="1" r:id="rId6" imgW="914400" imgH="771480" progId="Excel.Sheet.12">
                   <p:embed/>
                 </p:oleObj>
               </mc:Choice>
               <mc:Fallback>
-                <p:oleObj name="Worksheet" showAsIcon="1" r:id="rId5" imgW="914400" imgH="771480" progId="Excel.Sheet.12">
+                <p:oleObj name="Worksheet" showAsIcon="1" r:id="rId6" imgW="914400" imgH="771480" progId="Excel.Sheet.12">
                   <p:embed/>
                   <p:pic>
                     <p:nvPicPr>
@@ -20056,7 +20147,7 @@
                       <p:nvPr/>
                     </p:nvPicPr>
                     <p:blipFill>
-                      <a:blip r:embed="rId6">
+                      <a:blip r:embed="rId7">
                         <a:extLst>
                           <a:ext uri="{28A0092B-C50C-407E-A947-70E740481C1C}">
                             <a14:useLocalDpi xmlns:a14="http://schemas.microsoft.com/office/drawing/2010/main" val="0"/>
@@ -20129,12 +20220,12 @@
           <a:graphicData uri="http://schemas.openxmlformats.org/presentationml/2006/ole">
             <mc:AlternateContent xmlns:mc="http://schemas.openxmlformats.org/markup-compatibility/2006">
               <mc:Choice xmlns:v="urn:schemas-microsoft-com:vml" Requires="v">
-                <p:oleObj spid="_x0000_s3154" name="Packager Shell Object" showAsIcon="1" r:id="rId7" imgW="914400" imgH="771480" progId="Package">
+                <p:oleObj spid="_x0000_s3156" name="Packager Shell Object" showAsIcon="1" r:id="rId8" imgW="914400" imgH="771480" progId="Package">
                   <p:embed/>
                 </p:oleObj>
               </mc:Choice>
               <mc:Fallback>
-                <p:oleObj name="Packager Shell Object" showAsIcon="1" r:id="rId7" imgW="914400" imgH="771480" progId="Package">
+                <p:oleObj name="Packager Shell Object" showAsIcon="1" r:id="rId8" imgW="914400" imgH="771480" progId="Package">
                   <p:embed/>
                   <p:pic>
                     <p:nvPicPr>
@@ -20143,7 +20234,7 @@
                       <p:nvPr/>
                     </p:nvPicPr>
                     <p:blipFill>
-                      <a:blip r:embed="rId8"/>
+                      <a:blip r:embed="rId9"/>
                       <a:stretch>
                         <a:fillRect/>
                       </a:stretch>
@@ -20174,13 +20265,13 @@
   <p:clrMapOvr>
     <a:masterClrMapping/>
   </p:clrMapOvr>
-  <mc:AlternateContent xmlns:mc="http://schemas.openxmlformats.org/markup-compatibility/2006" xmlns:p14="http://schemas.microsoft.com/office/powerpoint/2010/main">
-    <mc:Choice Requires="p14">
+  <mc:AlternateContent xmlns:mc="http://schemas.openxmlformats.org/markup-compatibility/2006">
+    <mc:Choice xmlns:p14="http://schemas.microsoft.com/office/powerpoint/2010/main" Requires="p14">
       <p:transition p14:dur="100">
         <p:cut/>
       </p:transition>
     </mc:Choice>
-    <mc:Fallback xmlns="">
+    <mc:Fallback>
       <p:transition>
         <p:cut/>
       </p:transition>
@@ -20404,98 +20495,98 @@
                 <a:gridCol w="836012">
                   <a:extLst>
                     <a:ext uri="{9D8B030D-6E8A-4147-A177-3AD203B41FA5}">
-                      <a16:colId xmlns="" xmlns:a16="http://schemas.microsoft.com/office/drawing/2014/main" val="20000"/>
+                      <a16:colId xmlns:a16="http://schemas.microsoft.com/office/drawing/2014/main" xmlns="" val="20000"/>
                     </a:ext>
                   </a:extLst>
                 </a:gridCol>
                 <a:gridCol w="658464">
                   <a:extLst>
                     <a:ext uri="{9D8B030D-6E8A-4147-A177-3AD203B41FA5}">
-                      <a16:colId xmlns="" xmlns:a16="http://schemas.microsoft.com/office/drawing/2014/main" val="20001"/>
+                      <a16:colId xmlns:a16="http://schemas.microsoft.com/office/drawing/2014/main" xmlns="" val="20001"/>
                     </a:ext>
                   </a:extLst>
                 </a:gridCol>
                 <a:gridCol w="658464">
                   <a:extLst>
                     <a:ext uri="{9D8B030D-6E8A-4147-A177-3AD203B41FA5}">
-                      <a16:colId xmlns="" xmlns:a16="http://schemas.microsoft.com/office/drawing/2014/main" val="20002"/>
+                      <a16:colId xmlns:a16="http://schemas.microsoft.com/office/drawing/2014/main" xmlns="" val="20002"/>
                     </a:ext>
                   </a:extLst>
                 </a:gridCol>
                 <a:gridCol w="583210">
                   <a:extLst>
                     <a:ext uri="{9D8B030D-6E8A-4147-A177-3AD203B41FA5}">
-                      <a16:colId xmlns="" xmlns:a16="http://schemas.microsoft.com/office/drawing/2014/main" val="20003"/>
+                      <a16:colId xmlns:a16="http://schemas.microsoft.com/office/drawing/2014/main" xmlns="" val="20003"/>
                     </a:ext>
                   </a:extLst>
                 </a:gridCol>
                 <a:gridCol w="659820">
                   <a:extLst>
                     <a:ext uri="{9D8B030D-6E8A-4147-A177-3AD203B41FA5}">
-                      <a16:colId xmlns="" xmlns:a16="http://schemas.microsoft.com/office/drawing/2014/main" val="20004"/>
+                      <a16:colId xmlns:a16="http://schemas.microsoft.com/office/drawing/2014/main" xmlns="" val="20004"/>
                     </a:ext>
                   </a:extLst>
                 </a:gridCol>
                 <a:gridCol w="522114">
                   <a:extLst>
                     <a:ext uri="{9D8B030D-6E8A-4147-A177-3AD203B41FA5}">
-                      <a16:colId xmlns="" xmlns:a16="http://schemas.microsoft.com/office/drawing/2014/main" val="20005"/>
+                      <a16:colId xmlns:a16="http://schemas.microsoft.com/office/drawing/2014/main" xmlns="" val="20005"/>
                     </a:ext>
                   </a:extLst>
                 </a:gridCol>
                 <a:gridCol w="568576">
                   <a:extLst>
                     <a:ext uri="{9D8B030D-6E8A-4147-A177-3AD203B41FA5}">
-                      <a16:colId xmlns="" xmlns:a16="http://schemas.microsoft.com/office/drawing/2014/main" val="20006"/>
+                      <a16:colId xmlns:a16="http://schemas.microsoft.com/office/drawing/2014/main" xmlns="" val="20006"/>
                     </a:ext>
                   </a:extLst>
                 </a:gridCol>
                 <a:gridCol w="652881">
                   <a:extLst>
                     <a:ext uri="{9D8B030D-6E8A-4147-A177-3AD203B41FA5}">
-                      <a16:colId xmlns="" xmlns:a16="http://schemas.microsoft.com/office/drawing/2014/main" val="20007"/>
+                      <a16:colId xmlns:a16="http://schemas.microsoft.com/office/drawing/2014/main" xmlns="" val="20007"/>
                     </a:ext>
                   </a:extLst>
                 </a:gridCol>
                 <a:gridCol w="712342">
                   <a:extLst>
                     <a:ext uri="{9D8B030D-6E8A-4147-A177-3AD203B41FA5}">
-                      <a16:colId xmlns="" xmlns:a16="http://schemas.microsoft.com/office/drawing/2014/main" val="20008"/>
+                      <a16:colId xmlns:a16="http://schemas.microsoft.com/office/drawing/2014/main" xmlns="" val="20008"/>
                     </a:ext>
                   </a:extLst>
                 </a:gridCol>
                 <a:gridCol w="516117">
                   <a:extLst>
                     <a:ext uri="{9D8B030D-6E8A-4147-A177-3AD203B41FA5}">
-                      <a16:colId xmlns="" xmlns:a16="http://schemas.microsoft.com/office/drawing/2014/main" val="20009"/>
+                      <a16:colId xmlns:a16="http://schemas.microsoft.com/office/drawing/2014/main" xmlns="" val="20009"/>
                     </a:ext>
                   </a:extLst>
                 </a:gridCol>
                 <a:gridCol w="516117">
                   <a:extLst>
                     <a:ext uri="{9D8B030D-6E8A-4147-A177-3AD203B41FA5}">
-                      <a16:colId xmlns="" xmlns:a16="http://schemas.microsoft.com/office/drawing/2014/main" val="20010"/>
+                      <a16:colId xmlns:a16="http://schemas.microsoft.com/office/drawing/2014/main" xmlns="" val="20010"/>
                     </a:ext>
                   </a:extLst>
                 </a:gridCol>
                 <a:gridCol w="516117">
                   <a:extLst>
                     <a:ext uri="{9D8B030D-6E8A-4147-A177-3AD203B41FA5}">
-                      <a16:colId xmlns="" xmlns:a16="http://schemas.microsoft.com/office/drawing/2014/main" val="20011"/>
+                      <a16:colId xmlns:a16="http://schemas.microsoft.com/office/drawing/2014/main" xmlns="" val="20011"/>
                     </a:ext>
                   </a:extLst>
                 </a:gridCol>
                 <a:gridCol w="516117">
                   <a:extLst>
                     <a:ext uri="{9D8B030D-6E8A-4147-A177-3AD203B41FA5}">
-                      <a16:colId xmlns="" xmlns:a16="http://schemas.microsoft.com/office/drawing/2014/main" val="20012"/>
+                      <a16:colId xmlns:a16="http://schemas.microsoft.com/office/drawing/2014/main" xmlns="" val="20012"/>
                     </a:ext>
                   </a:extLst>
                 </a:gridCol>
                 <a:gridCol w="503750">
                   <a:extLst>
                     <a:ext uri="{9D8B030D-6E8A-4147-A177-3AD203B41FA5}">
-                      <a16:colId xmlns="" xmlns:a16="http://schemas.microsoft.com/office/drawing/2014/main" val="20013"/>
+                      <a16:colId xmlns:a16="http://schemas.microsoft.com/office/drawing/2014/main" xmlns="" val="20013"/>
                     </a:ext>
                   </a:extLst>
                 </a:gridCol>
@@ -21981,7 +22072,7 @@
                 </a:tc>
                 <a:extLst>
                   <a:ext uri="{0D108BD9-81ED-4DB2-BD59-A6C34878D82A}">
-                    <a16:rowId xmlns="" xmlns:a16="http://schemas.microsoft.com/office/drawing/2014/main" val="10000"/>
+                    <a16:rowId xmlns:a16="http://schemas.microsoft.com/office/drawing/2014/main" xmlns="" val="10000"/>
                   </a:ext>
                 </a:extLst>
               </a:tr>
@@ -23118,7 +23209,7 @@
                 </a:tc>
                 <a:extLst>
                   <a:ext uri="{0D108BD9-81ED-4DB2-BD59-A6C34878D82A}">
-                    <a16:rowId xmlns="" xmlns:a16="http://schemas.microsoft.com/office/drawing/2014/main" val="10001"/>
+                    <a16:rowId xmlns:a16="http://schemas.microsoft.com/office/drawing/2014/main" xmlns="" val="10001"/>
                   </a:ext>
                 </a:extLst>
               </a:tr>
@@ -24292,7 +24383,7 @@
                 </a:tc>
                 <a:extLst>
                   <a:ext uri="{0D108BD9-81ED-4DB2-BD59-A6C34878D82A}">
-                    <a16:rowId xmlns="" xmlns:a16="http://schemas.microsoft.com/office/drawing/2014/main" val="10002"/>
+                    <a16:rowId xmlns:a16="http://schemas.microsoft.com/office/drawing/2014/main" xmlns="" val="10002"/>
                   </a:ext>
                 </a:extLst>
               </a:tr>
@@ -25504,7 +25595,7 @@
                 </a:tc>
                 <a:extLst>
                   <a:ext uri="{0D108BD9-81ED-4DB2-BD59-A6C34878D82A}">
-                    <a16:rowId xmlns="" xmlns:a16="http://schemas.microsoft.com/office/drawing/2014/main" val="10003"/>
+                    <a16:rowId xmlns:a16="http://schemas.microsoft.com/office/drawing/2014/main" xmlns="" val="10003"/>
                   </a:ext>
                 </a:extLst>
               </a:tr>
@@ -27077,13 +27168,13 @@
   <p:clrMapOvr>
     <a:masterClrMapping/>
   </p:clrMapOvr>
-  <mc:AlternateContent xmlns:mc="http://schemas.openxmlformats.org/markup-compatibility/2006" xmlns:p14="http://schemas.microsoft.com/office/powerpoint/2010/main">
-    <mc:Choice Requires="p14">
+  <mc:AlternateContent xmlns:mc="http://schemas.openxmlformats.org/markup-compatibility/2006">
+    <mc:Choice xmlns:p14="http://schemas.microsoft.com/office/powerpoint/2010/main" Requires="p14">
       <p:transition p14:dur="100">
         <p:cut/>
       </p:transition>
     </mc:Choice>
-    <mc:Fallback xmlns="">
+    <mc:Fallback>
       <p:transition>
         <p:cut/>
       </p:transition>
@@ -27200,13 +27291,13 @@
   <p:clrMapOvr>
     <a:masterClrMapping/>
   </p:clrMapOvr>
-  <mc:AlternateContent xmlns:mc="http://schemas.openxmlformats.org/markup-compatibility/2006" xmlns:p14="http://schemas.microsoft.com/office/powerpoint/2010/main">
-    <mc:Choice Requires="p14">
+  <mc:AlternateContent xmlns:mc="http://schemas.openxmlformats.org/markup-compatibility/2006">
+    <mc:Choice xmlns:p14="http://schemas.microsoft.com/office/powerpoint/2010/main" Requires="p14">
       <p:transition p14:dur="100">
         <p:cut/>
       </p:transition>
     </mc:Choice>
-    <mc:Fallback xmlns="">
+    <mc:Fallback>
       <p:transition>
         <p:cut/>
       </p:transition>
@@ -27426,13 +27517,13 @@
   <p:clrMapOvr>
     <a:masterClrMapping/>
   </p:clrMapOvr>
-  <mc:AlternateContent xmlns:mc="http://schemas.openxmlformats.org/markup-compatibility/2006" xmlns:p14="http://schemas.microsoft.com/office/powerpoint/2010/main">
-    <mc:Choice Requires="p14">
+  <mc:AlternateContent xmlns:mc="http://schemas.openxmlformats.org/markup-compatibility/2006">
+    <mc:Choice xmlns:p14="http://schemas.microsoft.com/office/powerpoint/2010/main" Requires="p14">
       <p:transition p14:dur="100">
         <p:cut/>
       </p:transition>
     </mc:Choice>
-    <mc:Fallback xmlns="">
+    <mc:Fallback>
       <p:transition>
         <p:cut/>
       </p:transition>
@@ -27905,13 +27996,13 @@
   <p:clrMapOvr>
     <a:masterClrMapping/>
   </p:clrMapOvr>
-  <mc:AlternateContent xmlns:mc="http://schemas.openxmlformats.org/markup-compatibility/2006" xmlns:p14="http://schemas.microsoft.com/office/powerpoint/2010/main">
-    <mc:Choice Requires="p14">
+  <mc:AlternateContent xmlns:mc="http://schemas.openxmlformats.org/markup-compatibility/2006">
+    <mc:Choice xmlns:p14="http://schemas.microsoft.com/office/powerpoint/2010/main" Requires="p14">
       <p:transition p14:dur="100">
         <p:cut/>
       </p:transition>
     </mc:Choice>
-    <mc:Fallback xmlns="">
+    <mc:Fallback>
       <p:transition>
         <p:cut/>
       </p:transition>
@@ -28381,13 +28472,13 @@
   <p:clrMapOvr>
     <a:masterClrMapping/>
   </p:clrMapOvr>
-  <mc:AlternateContent xmlns:mc="http://schemas.openxmlformats.org/markup-compatibility/2006" xmlns:p14="http://schemas.microsoft.com/office/powerpoint/2010/main">
-    <mc:Choice Requires="p14">
+  <mc:AlternateContent xmlns:mc="http://schemas.openxmlformats.org/markup-compatibility/2006">
+    <mc:Choice xmlns:p14="http://schemas.microsoft.com/office/powerpoint/2010/main" Requires="p14">
       <p:transition p14:dur="100">
         <p:cut/>
       </p:transition>
     </mc:Choice>
-    <mc:Fallback xmlns="">
+    <mc:Fallback>
       <p:transition>
         <p:cut/>
       </p:transition>
@@ -28874,13 +28965,13 @@
   <p:clrMapOvr>
     <a:masterClrMapping/>
   </p:clrMapOvr>
-  <mc:AlternateContent xmlns:mc="http://schemas.openxmlformats.org/markup-compatibility/2006" xmlns:p14="http://schemas.microsoft.com/office/powerpoint/2010/main">
-    <mc:Choice Requires="p14">
+  <mc:AlternateContent xmlns:mc="http://schemas.openxmlformats.org/markup-compatibility/2006">
+    <mc:Choice xmlns:p14="http://schemas.microsoft.com/office/powerpoint/2010/main" Requires="p14">
       <p:transition p14:dur="100">
         <p:cut/>
       </p:transition>
     </mc:Choice>
-    <mc:Fallback xmlns="">
+    <mc:Fallback>
       <p:transition>
         <p:cut/>
       </p:transition>
@@ -29351,13 +29442,13 @@
   <p:clrMapOvr>
     <a:masterClrMapping/>
   </p:clrMapOvr>
-  <mc:AlternateContent xmlns:mc="http://schemas.openxmlformats.org/markup-compatibility/2006" xmlns:p14="http://schemas.microsoft.com/office/powerpoint/2010/main">
-    <mc:Choice Requires="p14">
+  <mc:AlternateContent xmlns:mc="http://schemas.openxmlformats.org/markup-compatibility/2006">
+    <mc:Choice xmlns:p14="http://schemas.microsoft.com/office/powerpoint/2010/main" Requires="p14">
       <p:transition p14:dur="100">
         <p:cut/>
       </p:transition>
     </mc:Choice>
-    <mc:Fallback xmlns="">
+    <mc:Fallback>
       <p:transition>
         <p:cut/>
       </p:transition>
@@ -29524,6 +29615,18 @@
   <p:clrMapOvr>
     <a:masterClrMapping/>
   </p:clrMapOvr>
+  <mc:AlternateContent xmlns:mc="http://schemas.openxmlformats.org/markup-compatibility/2006">
+    <mc:Choice xmlns:p14="http://schemas.microsoft.com/office/powerpoint/2010/main" Requires="p14">
+      <p:transition p14:dur="100">
+        <p:cut/>
+      </p:transition>
+    </mc:Choice>
+    <mc:Fallback>
+      <p:transition>
+        <p:cut/>
+      </p:transition>
+    </mc:Fallback>
+  </mc:AlternateContent>
 </p:sld>
 </file>
 
@@ -30025,13 +30128,13 @@
   <p:clrMapOvr>
     <a:masterClrMapping/>
   </p:clrMapOvr>
-  <mc:AlternateContent xmlns:mc="http://schemas.openxmlformats.org/markup-compatibility/2006" xmlns:p14="http://schemas.microsoft.com/office/powerpoint/2010/main">
-    <mc:Choice Requires="p14">
+  <mc:AlternateContent xmlns:mc="http://schemas.openxmlformats.org/markup-compatibility/2006">
+    <mc:Choice xmlns:p14="http://schemas.microsoft.com/office/powerpoint/2010/main" Requires="p14">
       <p:transition p14:dur="100">
         <p:cut/>
       </p:transition>
     </mc:Choice>
-    <mc:Fallback xmlns="">
+    <mc:Fallback>
       <p:transition>
         <p:cut/>
       </p:transition>
@@ -30138,13 +30241,13 @@
   <p:clrMapOvr>
     <a:masterClrMapping/>
   </p:clrMapOvr>
-  <mc:AlternateContent xmlns:mc="http://schemas.openxmlformats.org/markup-compatibility/2006" xmlns:p14="http://schemas.microsoft.com/office/powerpoint/2010/main">
-    <mc:Choice Requires="p14">
+  <mc:AlternateContent xmlns:mc="http://schemas.openxmlformats.org/markup-compatibility/2006">
+    <mc:Choice xmlns:p14="http://schemas.microsoft.com/office/powerpoint/2010/main" Requires="p14">
       <p:transition p14:dur="100">
         <p:cut/>
       </p:transition>
     </mc:Choice>
-    <mc:Fallback xmlns="">
+    <mc:Fallback>
       <p:transition>
         <p:cut/>
       </p:transition>
@@ -30251,13 +30354,13 @@
   <p:clrMapOvr>
     <a:masterClrMapping/>
   </p:clrMapOvr>
-  <mc:AlternateContent xmlns:mc="http://schemas.openxmlformats.org/markup-compatibility/2006" xmlns:p14="http://schemas.microsoft.com/office/powerpoint/2010/main">
-    <mc:Choice Requires="p14">
+  <mc:AlternateContent xmlns:mc="http://schemas.openxmlformats.org/markup-compatibility/2006">
+    <mc:Choice xmlns:p14="http://schemas.microsoft.com/office/powerpoint/2010/main" Requires="p14">
       <p:transition p14:dur="100">
         <p:cut/>
       </p:transition>
     </mc:Choice>
-    <mc:Fallback xmlns="">
+    <mc:Fallback>
       <p:transition>
         <p:cut/>
       </p:transition>
@@ -30364,13 +30467,13 @@
   <p:clrMapOvr>
     <a:masterClrMapping/>
   </p:clrMapOvr>
-  <mc:AlternateContent xmlns:mc="http://schemas.openxmlformats.org/markup-compatibility/2006" xmlns:p14="http://schemas.microsoft.com/office/powerpoint/2010/main">
-    <mc:Choice Requires="p14">
+  <mc:AlternateContent xmlns:mc="http://schemas.openxmlformats.org/markup-compatibility/2006">
+    <mc:Choice xmlns:p14="http://schemas.microsoft.com/office/powerpoint/2010/main" Requires="p14">
       <p:transition p14:dur="100">
         <p:cut/>
       </p:transition>
     </mc:Choice>
-    <mc:Fallback xmlns="">
+    <mc:Fallback>
       <p:transition>
         <p:cut/>
       </p:transition>
@@ -30463,13 +30566,13 @@
   <p:clrMapOvr>
     <a:masterClrMapping/>
   </p:clrMapOvr>
-  <mc:AlternateContent xmlns:mc="http://schemas.openxmlformats.org/markup-compatibility/2006" xmlns:p14="http://schemas.microsoft.com/office/powerpoint/2010/main">
-    <mc:Choice Requires="p14">
+  <mc:AlternateContent xmlns:mc="http://schemas.openxmlformats.org/markup-compatibility/2006">
+    <mc:Choice xmlns:p14="http://schemas.microsoft.com/office/powerpoint/2010/main" Requires="p14">
       <p:transition p14:dur="100">
         <p:cut/>
       </p:transition>
     </mc:Choice>
-    <mc:Fallback xmlns="">
+    <mc:Fallback>
       <p:transition>
         <p:cut/>
       </p:transition>
@@ -30693,13 +30796,13 @@
   <p:clrMapOvr>
     <a:masterClrMapping/>
   </p:clrMapOvr>
-  <mc:AlternateContent xmlns:mc="http://schemas.openxmlformats.org/markup-compatibility/2006" xmlns:p14="http://schemas.microsoft.com/office/powerpoint/2010/main">
-    <mc:Choice Requires="p14">
+  <mc:AlternateContent xmlns:mc="http://schemas.openxmlformats.org/markup-compatibility/2006">
+    <mc:Choice xmlns:p14="http://schemas.microsoft.com/office/powerpoint/2010/main" Requires="p14">
       <p:transition p14:dur="100">
         <p:cut/>
       </p:transition>
     </mc:Choice>
-    <mc:Fallback xmlns="">
+    <mc:Fallback>
       <p:transition>
         <p:cut/>
       </p:transition>
@@ -31401,13 +31504,13 @@
   <p:clrMapOvr>
     <a:masterClrMapping/>
   </p:clrMapOvr>
-  <mc:AlternateContent xmlns:mc="http://schemas.openxmlformats.org/markup-compatibility/2006" xmlns:p14="http://schemas.microsoft.com/office/powerpoint/2010/main">
-    <mc:Choice Requires="p14">
+  <mc:AlternateContent xmlns:mc="http://schemas.openxmlformats.org/markup-compatibility/2006">
+    <mc:Choice xmlns:p14="http://schemas.microsoft.com/office/powerpoint/2010/main" Requires="p14">
       <p:transition p14:dur="100">
         <p:cut/>
       </p:transition>
     </mc:Choice>
-    <mc:Fallback xmlns="">
+    <mc:Fallback>
       <p:transition>
         <p:cut/>
       </p:transition>
@@ -32734,13 +32837,13 @@
   <p:clrMapOvr>
     <a:masterClrMapping/>
   </p:clrMapOvr>
-  <mc:AlternateContent xmlns:mc="http://schemas.openxmlformats.org/markup-compatibility/2006" xmlns:p14="http://schemas.microsoft.com/office/powerpoint/2010/main">
-    <mc:Choice Requires="p14">
+  <mc:AlternateContent xmlns:mc="http://schemas.openxmlformats.org/markup-compatibility/2006">
+    <mc:Choice xmlns:p14="http://schemas.microsoft.com/office/powerpoint/2010/main" Requires="p14">
       <p:transition p14:dur="100">
         <p:cut/>
       </p:transition>
     </mc:Choice>
-    <mc:Fallback xmlns="">
+    <mc:Fallback>
       <p:transition>
         <p:cut/>
       </p:transition>
@@ -32978,13 +33081,13 @@
   <p:clrMapOvr>
     <a:masterClrMapping/>
   </p:clrMapOvr>
-  <mc:AlternateContent xmlns:mc="http://schemas.openxmlformats.org/markup-compatibility/2006" xmlns:p14="http://schemas.microsoft.com/office/powerpoint/2010/main">
-    <mc:Choice Requires="p14">
+  <mc:AlternateContent xmlns:mc="http://schemas.openxmlformats.org/markup-compatibility/2006">
+    <mc:Choice xmlns:p14="http://schemas.microsoft.com/office/powerpoint/2010/main" Requires="p14">
       <p:transition p14:dur="100">
         <p:cut/>
       </p:transition>
     </mc:Choice>
-    <mc:Fallback xmlns="">
+    <mc:Fallback>
       <p:transition>
         <p:cut/>
       </p:transition>
@@ -33207,13 +33310,13 @@
   <p:clrMapOvr>
     <a:masterClrMapping/>
   </p:clrMapOvr>
-  <mc:AlternateContent xmlns:mc="http://schemas.openxmlformats.org/markup-compatibility/2006" xmlns:p14="http://schemas.microsoft.com/office/powerpoint/2010/main">
-    <mc:Choice Requires="p14">
+  <mc:AlternateContent xmlns:mc="http://schemas.openxmlformats.org/markup-compatibility/2006">
+    <mc:Choice xmlns:p14="http://schemas.microsoft.com/office/powerpoint/2010/main" Requires="p14">
       <p:transition p14:dur="100">
         <p:cut/>
       </p:transition>
     </mc:Choice>
-    <mc:Fallback xmlns="">
+    <mc:Fallback>
       <p:transition>
         <p:cut/>
       </p:transition>
@@ -35506,14 +35609,14 @@
                 <a:gridCol w="1568323">
                   <a:extLst>
                     <a:ext uri="{9D8B030D-6E8A-4147-A177-3AD203B41FA5}">
-                      <a16:colId xmlns="" xmlns:a16="http://schemas.microsoft.com/office/drawing/2014/main" val="20000"/>
+                      <a16:colId xmlns:a16="http://schemas.microsoft.com/office/drawing/2014/main" xmlns="" val="20000"/>
                     </a:ext>
                   </a:extLst>
                 </a:gridCol>
                 <a:gridCol w="1555877">
                   <a:extLst>
                     <a:ext uri="{9D8B030D-6E8A-4147-A177-3AD203B41FA5}">
-                      <a16:colId xmlns="" xmlns:a16="http://schemas.microsoft.com/office/drawing/2014/main" val="20001"/>
+                      <a16:colId xmlns:a16="http://schemas.microsoft.com/office/drawing/2014/main" xmlns="" val="20001"/>
                     </a:ext>
                   </a:extLst>
                 </a:gridCol>
@@ -35611,7 +35714,7 @@
                 </a:tc>
                 <a:extLst>
                   <a:ext uri="{0D108BD9-81ED-4DB2-BD59-A6C34878D82A}">
-                    <a16:rowId xmlns="" xmlns:a16="http://schemas.microsoft.com/office/drawing/2014/main" val="10000"/>
+                    <a16:rowId xmlns:a16="http://schemas.microsoft.com/office/drawing/2014/main" xmlns="" val="10000"/>
                   </a:ext>
                 </a:extLst>
               </a:tr>
@@ -35762,7 +35865,7 @@
                 </a:tc>
                 <a:extLst>
                   <a:ext uri="{0D108BD9-81ED-4DB2-BD59-A6C34878D82A}">
-                    <a16:rowId xmlns="" xmlns:a16="http://schemas.microsoft.com/office/drawing/2014/main" val="10001"/>
+                    <a16:rowId xmlns:a16="http://schemas.microsoft.com/office/drawing/2014/main" xmlns="" val="10001"/>
                   </a:ext>
                 </a:extLst>
               </a:tr>
@@ -35907,7 +36010,7 @@
                 </a:tc>
                 <a:extLst>
                   <a:ext uri="{0D108BD9-81ED-4DB2-BD59-A6C34878D82A}">
-                    <a16:rowId xmlns="" xmlns:a16="http://schemas.microsoft.com/office/drawing/2014/main" val="10002"/>
+                    <a16:rowId xmlns:a16="http://schemas.microsoft.com/office/drawing/2014/main" xmlns="" val="10002"/>
                   </a:ext>
                 </a:extLst>
               </a:tr>
@@ -36052,7 +36155,7 @@
                 </a:tc>
                 <a:extLst>
                   <a:ext uri="{0D108BD9-81ED-4DB2-BD59-A6C34878D82A}">
-                    <a16:rowId xmlns="" xmlns:a16="http://schemas.microsoft.com/office/drawing/2014/main" val="10003"/>
+                    <a16:rowId xmlns:a16="http://schemas.microsoft.com/office/drawing/2014/main" xmlns="" val="10003"/>
                   </a:ext>
                 </a:extLst>
               </a:tr>
@@ -36197,7 +36300,7 @@
                 </a:tc>
                 <a:extLst>
                   <a:ext uri="{0D108BD9-81ED-4DB2-BD59-A6C34878D82A}">
-                    <a16:rowId xmlns="" xmlns:a16="http://schemas.microsoft.com/office/drawing/2014/main" val="10004"/>
+                    <a16:rowId xmlns:a16="http://schemas.microsoft.com/office/drawing/2014/main" xmlns="" val="10004"/>
                   </a:ext>
                 </a:extLst>
               </a:tr>
@@ -36342,7 +36445,7 @@
                 </a:tc>
                 <a:extLst>
                   <a:ext uri="{0D108BD9-81ED-4DB2-BD59-A6C34878D82A}">
-                    <a16:rowId xmlns="" xmlns:a16="http://schemas.microsoft.com/office/drawing/2014/main" val="10005"/>
+                    <a16:rowId xmlns:a16="http://schemas.microsoft.com/office/drawing/2014/main" xmlns="" val="10005"/>
                   </a:ext>
                 </a:extLst>
               </a:tr>
@@ -36487,7 +36590,7 @@
                 </a:tc>
                 <a:extLst>
                   <a:ext uri="{0D108BD9-81ED-4DB2-BD59-A6C34878D82A}">
-                    <a16:rowId xmlns="" xmlns:a16="http://schemas.microsoft.com/office/drawing/2014/main" val="10006"/>
+                    <a16:rowId xmlns:a16="http://schemas.microsoft.com/office/drawing/2014/main" xmlns="" val="10006"/>
                   </a:ext>
                 </a:extLst>
               </a:tr>
@@ -36644,7 +36747,7 @@
                 </a:tc>
                 <a:extLst>
                   <a:ext uri="{0D108BD9-81ED-4DB2-BD59-A6C34878D82A}">
-                    <a16:rowId xmlns="" xmlns:a16="http://schemas.microsoft.com/office/drawing/2014/main" val="10007"/>
+                    <a16:rowId xmlns:a16="http://schemas.microsoft.com/office/drawing/2014/main" xmlns="" val="10007"/>
                   </a:ext>
                 </a:extLst>
               </a:tr>
@@ -36789,7 +36892,7 @@
                 </a:tc>
                 <a:extLst>
                   <a:ext uri="{0D108BD9-81ED-4DB2-BD59-A6C34878D82A}">
-                    <a16:rowId xmlns="" xmlns:a16="http://schemas.microsoft.com/office/drawing/2014/main" val="10008"/>
+                    <a16:rowId xmlns:a16="http://schemas.microsoft.com/office/drawing/2014/main" xmlns="" val="10008"/>
                   </a:ext>
                 </a:extLst>
               </a:tr>
@@ -37063,7 +37166,7 @@
                 </a:tc>
                 <a:extLst>
                   <a:ext uri="{0D108BD9-81ED-4DB2-BD59-A6C34878D82A}">
-                    <a16:rowId xmlns="" xmlns:a16="http://schemas.microsoft.com/office/drawing/2014/main" val="10009"/>
+                    <a16:rowId xmlns:a16="http://schemas.microsoft.com/office/drawing/2014/main" xmlns="" val="10009"/>
                   </a:ext>
                 </a:extLst>
               </a:tr>
@@ -37081,13 +37184,13 @@
   <p:clrMapOvr>
     <a:masterClrMapping/>
   </p:clrMapOvr>
-  <mc:AlternateContent xmlns:mc="http://schemas.openxmlformats.org/markup-compatibility/2006" xmlns:p14="http://schemas.microsoft.com/office/powerpoint/2010/main">
-    <mc:Choice Requires="p14">
+  <mc:AlternateContent xmlns:mc="http://schemas.openxmlformats.org/markup-compatibility/2006">
+    <mc:Choice xmlns:p14="http://schemas.microsoft.com/office/powerpoint/2010/main" Requires="p14">
       <p:transition p14:dur="100">
         <p:cut/>
       </p:transition>
     </mc:Choice>
-    <mc:Fallback xmlns="">
+    <mc:Fallback>
       <p:transition>
         <p:cut/>
       </p:transition>
@@ -37161,21 +37264,21 @@
                 <a:gridCol w="2590800">
                   <a:extLst>
                     <a:ext uri="{9D8B030D-6E8A-4147-A177-3AD203B41FA5}">
-                      <a16:colId xmlns="" xmlns:a16="http://schemas.microsoft.com/office/drawing/2014/main" val="20000"/>
+                      <a16:colId xmlns:a16="http://schemas.microsoft.com/office/drawing/2014/main" xmlns="" val="20000"/>
                     </a:ext>
                   </a:extLst>
                 </a:gridCol>
                 <a:gridCol w="2819400">
                   <a:extLst>
                     <a:ext uri="{9D8B030D-6E8A-4147-A177-3AD203B41FA5}">
-                      <a16:colId xmlns="" xmlns:a16="http://schemas.microsoft.com/office/drawing/2014/main" val="20001"/>
+                      <a16:colId xmlns:a16="http://schemas.microsoft.com/office/drawing/2014/main" xmlns="" val="20001"/>
                     </a:ext>
                   </a:extLst>
                 </a:gridCol>
                 <a:gridCol w="2667000">
                   <a:extLst>
                     <a:ext uri="{9D8B030D-6E8A-4147-A177-3AD203B41FA5}">
-                      <a16:colId xmlns="" xmlns:a16="http://schemas.microsoft.com/office/drawing/2014/main" val="20002"/>
+                      <a16:colId xmlns:a16="http://schemas.microsoft.com/office/drawing/2014/main" xmlns="" val="20002"/>
                     </a:ext>
                   </a:extLst>
                 </a:gridCol>
@@ -37409,7 +37512,7 @@
                 </a:tc>
                 <a:extLst>
                   <a:ext uri="{0D108BD9-81ED-4DB2-BD59-A6C34878D82A}">
-                    <a16:rowId xmlns="" xmlns:a16="http://schemas.microsoft.com/office/drawing/2014/main" val="10000"/>
+                    <a16:rowId xmlns:a16="http://schemas.microsoft.com/office/drawing/2014/main" xmlns="" val="10000"/>
                   </a:ext>
                 </a:extLst>
               </a:tr>
@@ -38358,7 +38461,7 @@
                 </a:tc>
                 <a:extLst>
                   <a:ext uri="{0D108BD9-81ED-4DB2-BD59-A6C34878D82A}">
-                    <a16:rowId xmlns="" xmlns:a16="http://schemas.microsoft.com/office/drawing/2014/main" val="10001"/>
+                    <a16:rowId xmlns:a16="http://schemas.microsoft.com/office/drawing/2014/main" xmlns="" val="10001"/>
                   </a:ext>
                 </a:extLst>
               </a:tr>
@@ -38376,13 +38479,13 @@
   <p:clrMapOvr>
     <a:masterClrMapping/>
   </p:clrMapOvr>
-  <mc:AlternateContent xmlns:mc="http://schemas.openxmlformats.org/markup-compatibility/2006" xmlns:p14="http://schemas.microsoft.com/office/powerpoint/2010/main">
-    <mc:Choice Requires="p14">
+  <mc:AlternateContent xmlns:mc="http://schemas.openxmlformats.org/markup-compatibility/2006">
+    <mc:Choice xmlns:p14="http://schemas.microsoft.com/office/powerpoint/2010/main" Requires="p14">
       <p:transition p14:dur="100">
         <p:cut/>
       </p:transition>
     </mc:Choice>
-    <mc:Fallback xmlns="">
+    <mc:Fallback>
       <p:transition>
         <p:cut/>
       </p:transition>
@@ -38459,21 +38562,21 @@
                 <a:gridCol w="2037032">
                   <a:extLst>
                     <a:ext uri="{9D8B030D-6E8A-4147-A177-3AD203B41FA5}">
-                      <a16:colId xmlns="" xmlns:a16="http://schemas.microsoft.com/office/drawing/2014/main" val="20000"/>
+                      <a16:colId xmlns:a16="http://schemas.microsoft.com/office/drawing/2014/main" xmlns="" val="20000"/>
                     </a:ext>
                   </a:extLst>
                 </a:gridCol>
                 <a:gridCol w="3824630">
                   <a:extLst>
                     <a:ext uri="{9D8B030D-6E8A-4147-A177-3AD203B41FA5}">
-                      <a16:colId xmlns="" xmlns:a16="http://schemas.microsoft.com/office/drawing/2014/main" val="20001"/>
+                      <a16:colId xmlns:a16="http://schemas.microsoft.com/office/drawing/2014/main" xmlns="" val="20001"/>
                     </a:ext>
                   </a:extLst>
                 </a:gridCol>
                 <a:gridCol w="2672738">
                   <a:extLst>
                     <a:ext uri="{9D8B030D-6E8A-4147-A177-3AD203B41FA5}">
-                      <a16:colId xmlns="" xmlns:a16="http://schemas.microsoft.com/office/drawing/2014/main" val="20002"/>
+                      <a16:colId xmlns:a16="http://schemas.microsoft.com/office/drawing/2014/main" xmlns="" val="20002"/>
                     </a:ext>
                   </a:extLst>
                 </a:gridCol>
@@ -38724,7 +38827,7 @@
                 </a:tc>
                 <a:extLst>
                   <a:ext uri="{0D108BD9-81ED-4DB2-BD59-A6C34878D82A}">
-                    <a16:rowId xmlns="" xmlns:a16="http://schemas.microsoft.com/office/drawing/2014/main" val="10000"/>
+                    <a16:rowId xmlns:a16="http://schemas.microsoft.com/office/drawing/2014/main" xmlns="" val="10000"/>
                   </a:ext>
                 </a:extLst>
               </a:tr>
@@ -39342,7 +39445,7 @@
                 </a:tc>
                 <a:extLst>
                   <a:ext uri="{0D108BD9-81ED-4DB2-BD59-A6C34878D82A}">
-                    <a16:rowId xmlns="" xmlns:a16="http://schemas.microsoft.com/office/drawing/2014/main" val="10001"/>
+                    <a16:rowId xmlns:a16="http://schemas.microsoft.com/office/drawing/2014/main" xmlns="" val="10001"/>
                   </a:ext>
                 </a:extLst>
               </a:tr>
@@ -39789,7 +39892,7 @@
                 </a:tc>
                 <a:extLst>
                   <a:ext uri="{0D108BD9-81ED-4DB2-BD59-A6C34878D82A}">
-                    <a16:rowId xmlns="" xmlns:a16="http://schemas.microsoft.com/office/drawing/2014/main" val="10002"/>
+                    <a16:rowId xmlns:a16="http://schemas.microsoft.com/office/drawing/2014/main" xmlns="" val="10002"/>
                   </a:ext>
                 </a:extLst>
               </a:tr>
@@ -40008,7 +40111,7 @@
                 </a:tc>
                 <a:extLst>
                   <a:ext uri="{0D108BD9-81ED-4DB2-BD59-A6C34878D82A}">
-                    <a16:rowId xmlns="" xmlns:a16="http://schemas.microsoft.com/office/drawing/2014/main" val="10003"/>
+                    <a16:rowId xmlns:a16="http://schemas.microsoft.com/office/drawing/2014/main" xmlns="" val="10003"/>
                   </a:ext>
                 </a:extLst>
               </a:tr>
@@ -40429,7 +40532,7 @@
                 </a:tc>
                 <a:extLst>
                   <a:ext uri="{0D108BD9-81ED-4DB2-BD59-A6C34878D82A}">
-                    <a16:rowId xmlns="" xmlns:a16="http://schemas.microsoft.com/office/drawing/2014/main" val="10004"/>
+                    <a16:rowId xmlns:a16="http://schemas.microsoft.com/office/drawing/2014/main" xmlns="" val="10004"/>
                   </a:ext>
                 </a:extLst>
               </a:tr>
@@ -40447,13 +40550,13 @@
   <p:clrMapOvr>
     <a:masterClrMapping/>
   </p:clrMapOvr>
-  <mc:AlternateContent xmlns:mc="http://schemas.openxmlformats.org/markup-compatibility/2006" xmlns:p14="http://schemas.microsoft.com/office/powerpoint/2010/main">
-    <mc:Choice Requires="p14">
+  <mc:AlternateContent xmlns:mc="http://schemas.openxmlformats.org/markup-compatibility/2006">
+    <mc:Choice xmlns:p14="http://schemas.microsoft.com/office/powerpoint/2010/main" Requires="p14">
       <p:transition p14:dur="100">
         <p:cut/>
       </p:transition>
     </mc:Choice>
-    <mc:Fallback xmlns="">
+    <mc:Fallback>
       <p:transition>
         <p:cut/>
       </p:transition>
@@ -40505,21 +40608,21 @@
                 <a:gridCol w="1563964">
                   <a:extLst>
                     <a:ext uri="{9D8B030D-6E8A-4147-A177-3AD203B41FA5}">
-                      <a16:colId xmlns="" xmlns:a16="http://schemas.microsoft.com/office/drawing/2014/main" val="20000"/>
+                      <a16:colId xmlns:a16="http://schemas.microsoft.com/office/drawing/2014/main" xmlns="" val="20000"/>
                     </a:ext>
                   </a:extLst>
                 </a:gridCol>
                 <a:gridCol w="3836137">
                   <a:extLst>
                     <a:ext uri="{9D8B030D-6E8A-4147-A177-3AD203B41FA5}">
-                      <a16:colId xmlns="" xmlns:a16="http://schemas.microsoft.com/office/drawing/2014/main" val="20001"/>
+                      <a16:colId xmlns:a16="http://schemas.microsoft.com/office/drawing/2014/main" xmlns="" val="20001"/>
                     </a:ext>
                   </a:extLst>
                 </a:gridCol>
                 <a:gridCol w="2677098">
                   <a:extLst>
                     <a:ext uri="{9D8B030D-6E8A-4147-A177-3AD203B41FA5}">
-                      <a16:colId xmlns="" xmlns:a16="http://schemas.microsoft.com/office/drawing/2014/main" val="20002"/>
+                      <a16:colId xmlns:a16="http://schemas.microsoft.com/office/drawing/2014/main" xmlns="" val="20002"/>
                     </a:ext>
                   </a:extLst>
                 </a:gridCol>
@@ -40737,7 +40840,7 @@
                 </a:tc>
                 <a:extLst>
                   <a:ext uri="{0D108BD9-81ED-4DB2-BD59-A6C34878D82A}">
-                    <a16:rowId xmlns="" xmlns:a16="http://schemas.microsoft.com/office/drawing/2014/main" val="10000"/>
+                    <a16:rowId xmlns:a16="http://schemas.microsoft.com/office/drawing/2014/main" xmlns="" val="10000"/>
                   </a:ext>
                 </a:extLst>
               </a:tr>
@@ -41127,7 +41230,7 @@
                 </a:tc>
                 <a:extLst>
                   <a:ext uri="{0D108BD9-81ED-4DB2-BD59-A6C34878D82A}">
-                    <a16:rowId xmlns="" xmlns:a16="http://schemas.microsoft.com/office/drawing/2014/main" val="10001"/>
+                    <a16:rowId xmlns:a16="http://schemas.microsoft.com/office/drawing/2014/main" xmlns="" val="10001"/>
                   </a:ext>
                 </a:extLst>
               </a:tr>
@@ -41574,7 +41677,7 @@
                 </a:tc>
                 <a:extLst>
                   <a:ext uri="{0D108BD9-81ED-4DB2-BD59-A6C34878D82A}">
-                    <a16:rowId xmlns="" xmlns:a16="http://schemas.microsoft.com/office/drawing/2014/main" val="10002"/>
+                    <a16:rowId xmlns:a16="http://schemas.microsoft.com/office/drawing/2014/main" xmlns="" val="10002"/>
                   </a:ext>
                 </a:extLst>
               </a:tr>
@@ -41935,7 +42038,7 @@
                 </a:tc>
                 <a:extLst>
                   <a:ext uri="{0D108BD9-81ED-4DB2-BD59-A6C34878D82A}">
-                    <a16:rowId xmlns="" xmlns:a16="http://schemas.microsoft.com/office/drawing/2014/main" val="10003"/>
+                    <a16:rowId xmlns:a16="http://schemas.microsoft.com/office/drawing/2014/main" xmlns="" val="10003"/>
                   </a:ext>
                 </a:extLst>
               </a:tr>
@@ -42234,7 +42337,7 @@
                 </a:tc>
                 <a:extLst>
                   <a:ext uri="{0D108BD9-81ED-4DB2-BD59-A6C34878D82A}">
-                    <a16:rowId xmlns="" xmlns:a16="http://schemas.microsoft.com/office/drawing/2014/main" val="10004"/>
+                    <a16:rowId xmlns:a16="http://schemas.microsoft.com/office/drawing/2014/main" xmlns="" val="10004"/>
                   </a:ext>
                 </a:extLst>
               </a:tr>
@@ -42275,13 +42378,13 @@
   <p:clrMapOvr>
     <a:masterClrMapping/>
   </p:clrMapOvr>
-  <mc:AlternateContent xmlns:mc="http://schemas.openxmlformats.org/markup-compatibility/2006" xmlns:p14="http://schemas.microsoft.com/office/powerpoint/2010/main">
-    <mc:Choice Requires="p14">
+  <mc:AlternateContent xmlns:mc="http://schemas.openxmlformats.org/markup-compatibility/2006">
+    <mc:Choice xmlns:p14="http://schemas.microsoft.com/office/powerpoint/2010/main" Requires="p14">
       <p:transition p14:dur="100">
         <p:cut/>
       </p:transition>
     </mc:Choice>
-    <mc:Fallback xmlns="">
+    <mc:Fallback>
       <p:transition>
         <p:cut/>
       </p:transition>
@@ -42842,13 +42945,13 @@
   <p:clrMapOvr>
     <a:masterClrMapping/>
   </p:clrMapOvr>
-  <mc:AlternateContent xmlns:mc="http://schemas.openxmlformats.org/markup-compatibility/2006" xmlns:p14="http://schemas.microsoft.com/office/powerpoint/2010/main">
-    <mc:Choice Requires="p14">
+  <mc:AlternateContent xmlns:mc="http://schemas.openxmlformats.org/markup-compatibility/2006">
+    <mc:Choice xmlns:p14="http://schemas.microsoft.com/office/powerpoint/2010/main" Requires="p14">
       <p:transition p14:dur="100">
         <p:cut/>
       </p:transition>
     </mc:Choice>
-    <mc:Fallback xmlns="">
+    <mc:Fallback>
       <p:transition>
         <p:cut/>
       </p:transition>
@@ -43067,13 +43170,13 @@
   <p:clrMapOvr>
     <a:masterClrMapping/>
   </p:clrMapOvr>
-  <mc:AlternateContent xmlns:mc="http://schemas.openxmlformats.org/markup-compatibility/2006" xmlns:p14="http://schemas.microsoft.com/office/powerpoint/2010/main">
-    <mc:Choice Requires="p14">
+  <mc:AlternateContent xmlns:mc="http://schemas.openxmlformats.org/markup-compatibility/2006">
+    <mc:Choice xmlns:p14="http://schemas.microsoft.com/office/powerpoint/2010/main" Requires="p14">
       <p:transition p14:dur="100">
         <p:cut/>
       </p:transition>
     </mc:Choice>
-    <mc:Fallback xmlns="">
+    <mc:Fallback>
       <p:transition>
         <p:cut/>
       </p:transition>
@@ -43134,7 +43237,7 @@
           <p:cNvPr id="3" name="Picture 2">
             <a:extLst>
               <a:ext uri="{FF2B5EF4-FFF2-40B4-BE49-F238E27FC236}">
-                <a16:creationId xmlns="" xmlns:a16="http://schemas.microsoft.com/office/drawing/2014/main" id="{C0A2CC19-6FDA-4ADE-82DC-E38A631C6A53}"/>
+                <a16:creationId xmlns:a16="http://schemas.microsoft.com/office/drawing/2014/main" xmlns="" id="{C0A2CC19-6FDA-4ADE-82DC-E38A631C6A53}"/>
               </a:ext>
             </a:extLst>
           </p:cNvPr>
@@ -43175,6 +43278,18 @@
   <p:clrMapOvr>
     <a:masterClrMapping/>
   </p:clrMapOvr>
+  <mc:AlternateContent xmlns:mc="http://schemas.openxmlformats.org/markup-compatibility/2006">
+    <mc:Choice xmlns:p14="http://schemas.microsoft.com/office/powerpoint/2010/main" Requires="p14">
+      <p:transition p14:dur="100">
+        <p:cut/>
+      </p:transition>
+    </mc:Choice>
+    <mc:Fallback>
+      <p:transition>
+        <p:cut/>
+      </p:transition>
+    </mc:Fallback>
+  </mc:AlternateContent>
 </p:sld>
 </file>
 
@@ -43432,13 +43547,13 @@
   <p:clrMapOvr>
     <a:masterClrMapping/>
   </p:clrMapOvr>
-  <mc:AlternateContent xmlns:mc="http://schemas.openxmlformats.org/markup-compatibility/2006" xmlns:p14="http://schemas.microsoft.com/office/powerpoint/2010/main">
-    <mc:Choice Requires="p14">
+  <mc:AlternateContent xmlns:mc="http://schemas.openxmlformats.org/markup-compatibility/2006">
+    <mc:Choice xmlns:p14="http://schemas.microsoft.com/office/powerpoint/2010/main" Requires="p14">
       <p:transition p14:dur="100">
         <p:cut/>
       </p:transition>
     </mc:Choice>
-    <mc:Fallback xmlns="">
+    <mc:Fallback>
       <p:transition>
         <p:cut/>
       </p:transition>
@@ -43512,21 +43627,21 @@
                 <a:gridCol w="2590800">
                   <a:extLst>
                     <a:ext uri="{9D8B030D-6E8A-4147-A177-3AD203B41FA5}">
-                      <a16:colId xmlns="" xmlns:a16="http://schemas.microsoft.com/office/drawing/2014/main" val="20000"/>
+                      <a16:colId xmlns:a16="http://schemas.microsoft.com/office/drawing/2014/main" xmlns="" val="20000"/>
                     </a:ext>
                   </a:extLst>
                 </a:gridCol>
                 <a:gridCol w="2819400">
                   <a:extLst>
                     <a:ext uri="{9D8B030D-6E8A-4147-A177-3AD203B41FA5}">
-                      <a16:colId xmlns="" xmlns:a16="http://schemas.microsoft.com/office/drawing/2014/main" val="20001"/>
+                      <a16:colId xmlns:a16="http://schemas.microsoft.com/office/drawing/2014/main" xmlns="" val="20001"/>
                     </a:ext>
                   </a:extLst>
                 </a:gridCol>
                 <a:gridCol w="2667000">
                   <a:extLst>
                     <a:ext uri="{9D8B030D-6E8A-4147-A177-3AD203B41FA5}">
-                      <a16:colId xmlns="" xmlns:a16="http://schemas.microsoft.com/office/drawing/2014/main" val="20002"/>
+                      <a16:colId xmlns:a16="http://schemas.microsoft.com/office/drawing/2014/main" xmlns="" val="20002"/>
                     </a:ext>
                   </a:extLst>
                 </a:gridCol>
@@ -43760,7 +43875,7 @@
                 </a:tc>
                 <a:extLst>
                   <a:ext uri="{0D108BD9-81ED-4DB2-BD59-A6C34878D82A}">
-                    <a16:rowId xmlns="" xmlns:a16="http://schemas.microsoft.com/office/drawing/2014/main" val="10000"/>
+                    <a16:rowId xmlns:a16="http://schemas.microsoft.com/office/drawing/2014/main" xmlns="" val="10000"/>
                   </a:ext>
                 </a:extLst>
               </a:tr>
@@ -44709,7 +44824,7 @@
                 </a:tc>
                 <a:extLst>
                   <a:ext uri="{0D108BD9-81ED-4DB2-BD59-A6C34878D82A}">
-                    <a16:rowId xmlns="" xmlns:a16="http://schemas.microsoft.com/office/drawing/2014/main" val="10001"/>
+                    <a16:rowId xmlns:a16="http://schemas.microsoft.com/office/drawing/2014/main" xmlns="" val="10001"/>
                   </a:ext>
                 </a:extLst>
               </a:tr>
@@ -44727,13 +44842,13 @@
   <p:clrMapOvr>
     <a:masterClrMapping/>
   </p:clrMapOvr>
-  <mc:AlternateContent xmlns:mc="http://schemas.openxmlformats.org/markup-compatibility/2006" xmlns:p14="http://schemas.microsoft.com/office/powerpoint/2010/main">
-    <mc:Choice Requires="p14">
+  <mc:AlternateContent xmlns:mc="http://schemas.openxmlformats.org/markup-compatibility/2006">
+    <mc:Choice xmlns:p14="http://schemas.microsoft.com/office/powerpoint/2010/main" Requires="p14">
       <p:transition p14:dur="100">
         <p:cut/>
       </p:transition>
     </mc:Choice>
-    <mc:Fallback xmlns="">
+    <mc:Fallback>
       <p:transition>
         <p:cut/>
       </p:transition>
